--- a/ICRA19/pictures/pdf/SetUp.pptx
+++ b/ICRA19/pictures/pdf/SetUp.pptx
@@ -104,6 +104,22 @@
       </a:defRPr>
     </a:lvl9pPr>
   </p:defaultTextStyle>
+  <p:extLst>
+    <p:ext uri="{EFAFB233-063F-42B5-8137-9DF3F51BA10A}">
+      <p15:sldGuideLst xmlns:p15="http://schemas.microsoft.com/office/powerpoint/2012/main">
+        <p15:guide id="1" orient="horz" pos="2016">
+          <p15:clr>
+            <a:srgbClr val="A4A3A4"/>
+          </p15:clr>
+        </p15:guide>
+        <p15:guide id="2" pos="2448">
+          <p15:clr>
+            <a:srgbClr val="A4A3A4"/>
+          </p15:clr>
+        </p15:guide>
+      </p15:sldGuideLst>
+    </p:ext>
+  </p:extLst>
 </p:presentation>
 </file>
 
@@ -145,10 +161,9 @@
           <a:lstStyle/>
           <a:p>
             <a:r>
-              <a:rPr lang="en-US" smtClean="0"/>
+              <a:rPr lang="en-US"/>
               <a:t>Click to edit Master title style</a:t>
             </a:r>
-            <a:endParaRPr lang="en-US"/>
           </a:p>
         </p:txBody>
       </p:sp>
@@ -264,10 +279,9 @@
           </a:lstStyle>
           <a:p>
             <a:r>
-              <a:rPr lang="en-US" smtClean="0"/>
+              <a:rPr lang="en-US"/>
               <a:t>Click to edit Master subtitle style</a:t>
             </a:r>
-            <a:endParaRPr lang="en-US"/>
           </a:p>
         </p:txBody>
       </p:sp>
@@ -288,7 +302,7 @@
           <a:p>
             <a:fld id="{F694978D-A894-E24D-9868-C9A03761E7E6}" type="datetimeFigureOut">
               <a:rPr lang="en-US" smtClean="0"/>
-              <a:t>7/28/17</a:t>
+              <a:t>9/13/18</a:t>
             </a:fld>
             <a:endParaRPr lang="en-US"/>
           </a:p>
@@ -382,10 +396,9 @@
           <a:lstStyle/>
           <a:p>
             <a:r>
-              <a:rPr lang="en-US" smtClean="0"/>
+              <a:rPr lang="en-US"/>
               <a:t>Click to edit Master title style</a:t>
             </a:r>
-            <a:endParaRPr lang="en-US"/>
           </a:p>
         </p:txBody>
       </p:sp>
@@ -406,38 +419,37 @@
           <a:p>
             <a:pPr lvl="0"/>
             <a:r>
-              <a:rPr lang="en-US" smtClean="0"/>
+              <a:rPr lang="en-US"/>
               <a:t>Click to edit Master text styles</a:t>
             </a:r>
           </a:p>
           <a:p>
             <a:pPr lvl="1"/>
             <a:r>
-              <a:rPr lang="en-US" smtClean="0"/>
+              <a:rPr lang="en-US"/>
               <a:t>Second level</a:t>
             </a:r>
           </a:p>
           <a:p>
             <a:pPr lvl="2"/>
             <a:r>
-              <a:rPr lang="en-US" smtClean="0"/>
+              <a:rPr lang="en-US"/>
               <a:t>Third level</a:t>
             </a:r>
           </a:p>
           <a:p>
             <a:pPr lvl="3"/>
             <a:r>
-              <a:rPr lang="en-US" smtClean="0"/>
+              <a:rPr lang="en-US"/>
               <a:t>Fourth level</a:t>
             </a:r>
           </a:p>
           <a:p>
             <a:pPr lvl="4"/>
             <a:r>
-              <a:rPr lang="en-US" smtClean="0"/>
+              <a:rPr lang="en-US"/>
               <a:t>Fifth level</a:t>
             </a:r>
-            <a:endParaRPr lang="en-US"/>
           </a:p>
         </p:txBody>
       </p:sp>
@@ -458,7 +470,7 @@
           <a:p>
             <a:fld id="{F694978D-A894-E24D-9868-C9A03761E7E6}" type="datetimeFigureOut">
               <a:rPr lang="en-US" smtClean="0"/>
-              <a:t>7/28/17</a:t>
+              <a:t>9/13/18</a:t>
             </a:fld>
             <a:endParaRPr lang="en-US"/>
           </a:p>
@@ -557,10 +569,9 @@
           <a:lstStyle/>
           <a:p>
             <a:r>
-              <a:rPr lang="en-US" smtClean="0"/>
+              <a:rPr lang="en-US"/>
               <a:t>Click to edit Master title style</a:t>
             </a:r>
-            <a:endParaRPr lang="en-US"/>
           </a:p>
         </p:txBody>
       </p:sp>
@@ -586,38 +597,37 @@
           <a:p>
             <a:pPr lvl="0"/>
             <a:r>
-              <a:rPr lang="en-US" smtClean="0"/>
+              <a:rPr lang="en-US"/>
               <a:t>Click to edit Master text styles</a:t>
             </a:r>
           </a:p>
           <a:p>
             <a:pPr lvl="1"/>
             <a:r>
-              <a:rPr lang="en-US" smtClean="0"/>
+              <a:rPr lang="en-US"/>
               <a:t>Second level</a:t>
             </a:r>
           </a:p>
           <a:p>
             <a:pPr lvl="2"/>
             <a:r>
-              <a:rPr lang="en-US" smtClean="0"/>
+              <a:rPr lang="en-US"/>
               <a:t>Third level</a:t>
             </a:r>
           </a:p>
           <a:p>
             <a:pPr lvl="3"/>
             <a:r>
-              <a:rPr lang="en-US" smtClean="0"/>
+              <a:rPr lang="en-US"/>
               <a:t>Fourth level</a:t>
             </a:r>
           </a:p>
           <a:p>
             <a:pPr lvl="4"/>
             <a:r>
-              <a:rPr lang="en-US" smtClean="0"/>
+              <a:rPr lang="en-US"/>
               <a:t>Fifth level</a:t>
             </a:r>
-            <a:endParaRPr lang="en-US"/>
           </a:p>
         </p:txBody>
       </p:sp>
@@ -638,7 +648,7 @@
           <a:p>
             <a:fld id="{F694978D-A894-E24D-9868-C9A03761E7E6}" type="datetimeFigureOut">
               <a:rPr lang="en-US" smtClean="0"/>
-              <a:t>7/28/17</a:t>
+              <a:t>9/13/18</a:t>
             </a:fld>
             <a:endParaRPr lang="en-US"/>
           </a:p>
@@ -732,10 +742,9 @@
           <a:lstStyle/>
           <a:p>
             <a:r>
-              <a:rPr lang="en-US" smtClean="0"/>
+              <a:rPr lang="en-US"/>
               <a:t>Click to edit Master title style</a:t>
             </a:r>
-            <a:endParaRPr lang="en-US"/>
           </a:p>
         </p:txBody>
       </p:sp>
@@ -756,38 +765,37 @@
           <a:p>
             <a:pPr lvl="0"/>
             <a:r>
-              <a:rPr lang="en-US" smtClean="0"/>
+              <a:rPr lang="en-US"/>
               <a:t>Click to edit Master text styles</a:t>
             </a:r>
           </a:p>
           <a:p>
             <a:pPr lvl="1"/>
             <a:r>
-              <a:rPr lang="en-US" smtClean="0"/>
+              <a:rPr lang="en-US"/>
               <a:t>Second level</a:t>
             </a:r>
           </a:p>
           <a:p>
             <a:pPr lvl="2"/>
             <a:r>
-              <a:rPr lang="en-US" smtClean="0"/>
+              <a:rPr lang="en-US"/>
               <a:t>Third level</a:t>
             </a:r>
           </a:p>
           <a:p>
             <a:pPr lvl="3"/>
             <a:r>
-              <a:rPr lang="en-US" smtClean="0"/>
+              <a:rPr lang="en-US"/>
               <a:t>Fourth level</a:t>
             </a:r>
           </a:p>
           <a:p>
             <a:pPr lvl="4"/>
             <a:r>
-              <a:rPr lang="en-US" smtClean="0"/>
+              <a:rPr lang="en-US"/>
               <a:t>Fifth level</a:t>
             </a:r>
-            <a:endParaRPr lang="en-US"/>
           </a:p>
         </p:txBody>
       </p:sp>
@@ -808,7 +816,7 @@
           <a:p>
             <a:fld id="{F694978D-A894-E24D-9868-C9A03761E7E6}" type="datetimeFigureOut">
               <a:rPr lang="en-US" smtClean="0"/>
-              <a:t>7/28/17</a:t>
+              <a:t>9/13/18</a:t>
             </a:fld>
             <a:endParaRPr lang="en-US"/>
           </a:p>
@@ -911,10 +919,9 @@
           </a:lstStyle>
           <a:p>
             <a:r>
-              <a:rPr lang="en-US" smtClean="0"/>
+              <a:rPr lang="en-US"/>
               <a:t>Click to edit Master title style</a:t>
             </a:r>
-            <a:endParaRPr lang="en-US"/>
           </a:p>
         </p:txBody>
       </p:sp>
@@ -1031,7 +1038,7 @@
           <a:p>
             <a:pPr lvl="0"/>
             <a:r>
-              <a:rPr lang="en-US" smtClean="0"/>
+              <a:rPr lang="en-US"/>
               <a:t>Click to edit Master text styles</a:t>
             </a:r>
           </a:p>
@@ -1054,7 +1061,7 @@
           <a:p>
             <a:fld id="{F694978D-A894-E24D-9868-C9A03761E7E6}" type="datetimeFigureOut">
               <a:rPr lang="en-US" smtClean="0"/>
-              <a:t>7/28/17</a:t>
+              <a:t>9/13/18</a:t>
             </a:fld>
             <a:endParaRPr lang="en-US"/>
           </a:p>
@@ -1148,10 +1155,9 @@
           <a:lstStyle/>
           <a:p>
             <a:r>
-              <a:rPr lang="en-US" smtClean="0"/>
+              <a:rPr lang="en-US"/>
               <a:t>Click to edit Master title style</a:t>
             </a:r>
-            <a:endParaRPr lang="en-US"/>
           </a:p>
         </p:txBody>
       </p:sp>
@@ -1205,38 +1211,37 @@
           <a:p>
             <a:pPr lvl="0"/>
             <a:r>
-              <a:rPr lang="en-US" smtClean="0"/>
+              <a:rPr lang="en-US"/>
               <a:t>Click to edit Master text styles</a:t>
             </a:r>
           </a:p>
           <a:p>
             <a:pPr lvl="1"/>
             <a:r>
-              <a:rPr lang="en-US" smtClean="0"/>
+              <a:rPr lang="en-US"/>
               <a:t>Second level</a:t>
             </a:r>
           </a:p>
           <a:p>
             <a:pPr lvl="2"/>
             <a:r>
-              <a:rPr lang="en-US" smtClean="0"/>
+              <a:rPr lang="en-US"/>
               <a:t>Third level</a:t>
             </a:r>
           </a:p>
           <a:p>
             <a:pPr lvl="3"/>
             <a:r>
-              <a:rPr lang="en-US" smtClean="0"/>
+              <a:rPr lang="en-US"/>
               <a:t>Fourth level</a:t>
             </a:r>
           </a:p>
           <a:p>
             <a:pPr lvl="4"/>
             <a:r>
-              <a:rPr lang="en-US" smtClean="0"/>
+              <a:rPr lang="en-US"/>
               <a:t>Fifth level</a:t>
             </a:r>
-            <a:endParaRPr lang="en-US"/>
           </a:p>
         </p:txBody>
       </p:sp>
@@ -1290,38 +1295,37 @@
           <a:p>
             <a:pPr lvl="0"/>
             <a:r>
-              <a:rPr lang="en-US" smtClean="0"/>
+              <a:rPr lang="en-US"/>
               <a:t>Click to edit Master text styles</a:t>
             </a:r>
           </a:p>
           <a:p>
             <a:pPr lvl="1"/>
             <a:r>
-              <a:rPr lang="en-US" smtClean="0"/>
+              <a:rPr lang="en-US"/>
               <a:t>Second level</a:t>
             </a:r>
           </a:p>
           <a:p>
             <a:pPr lvl="2"/>
             <a:r>
-              <a:rPr lang="en-US" smtClean="0"/>
+              <a:rPr lang="en-US"/>
               <a:t>Third level</a:t>
             </a:r>
           </a:p>
           <a:p>
             <a:pPr lvl="3"/>
             <a:r>
-              <a:rPr lang="en-US" smtClean="0"/>
+              <a:rPr lang="en-US"/>
               <a:t>Fourth level</a:t>
             </a:r>
           </a:p>
           <a:p>
             <a:pPr lvl="4"/>
             <a:r>
-              <a:rPr lang="en-US" smtClean="0"/>
+              <a:rPr lang="en-US"/>
               <a:t>Fifth level</a:t>
             </a:r>
-            <a:endParaRPr lang="en-US"/>
           </a:p>
         </p:txBody>
       </p:sp>
@@ -1342,7 +1346,7 @@
           <a:p>
             <a:fld id="{F694978D-A894-E24D-9868-C9A03761E7E6}" type="datetimeFigureOut">
               <a:rPr lang="en-US" smtClean="0"/>
-              <a:t>7/28/17</a:t>
+              <a:t>9/13/18</a:t>
             </a:fld>
             <a:endParaRPr lang="en-US"/>
           </a:p>
@@ -1440,10 +1444,9 @@
           </a:lstStyle>
           <a:p>
             <a:r>
-              <a:rPr lang="en-US" smtClean="0"/>
+              <a:rPr lang="en-US"/>
               <a:t>Click to edit Master title style</a:t>
             </a:r>
-            <a:endParaRPr lang="en-US"/>
           </a:p>
         </p:txBody>
       </p:sp>
@@ -1506,7 +1509,7 @@
           <a:p>
             <a:pPr lvl="0"/>
             <a:r>
-              <a:rPr lang="en-US" smtClean="0"/>
+              <a:rPr lang="en-US"/>
               <a:t>Click to edit Master text styles</a:t>
             </a:r>
           </a:p>
@@ -1562,38 +1565,37 @@
           <a:p>
             <a:pPr lvl="0"/>
             <a:r>
-              <a:rPr lang="en-US" smtClean="0"/>
+              <a:rPr lang="en-US"/>
               <a:t>Click to edit Master text styles</a:t>
             </a:r>
           </a:p>
           <a:p>
             <a:pPr lvl="1"/>
             <a:r>
-              <a:rPr lang="en-US" smtClean="0"/>
+              <a:rPr lang="en-US"/>
               <a:t>Second level</a:t>
             </a:r>
           </a:p>
           <a:p>
             <a:pPr lvl="2"/>
             <a:r>
-              <a:rPr lang="en-US" smtClean="0"/>
+              <a:rPr lang="en-US"/>
               <a:t>Third level</a:t>
             </a:r>
           </a:p>
           <a:p>
             <a:pPr lvl="3"/>
             <a:r>
-              <a:rPr lang="en-US" smtClean="0"/>
+              <a:rPr lang="en-US"/>
               <a:t>Fourth level</a:t>
             </a:r>
           </a:p>
           <a:p>
             <a:pPr lvl="4"/>
             <a:r>
-              <a:rPr lang="en-US" smtClean="0"/>
+              <a:rPr lang="en-US"/>
               <a:t>Fifth level</a:t>
             </a:r>
-            <a:endParaRPr lang="en-US"/>
           </a:p>
         </p:txBody>
       </p:sp>
@@ -1656,7 +1658,7 @@
           <a:p>
             <a:pPr lvl="0"/>
             <a:r>
-              <a:rPr lang="en-US" smtClean="0"/>
+              <a:rPr lang="en-US"/>
               <a:t>Click to edit Master text styles</a:t>
             </a:r>
           </a:p>
@@ -1712,38 +1714,37 @@
           <a:p>
             <a:pPr lvl="0"/>
             <a:r>
-              <a:rPr lang="en-US" smtClean="0"/>
+              <a:rPr lang="en-US"/>
               <a:t>Click to edit Master text styles</a:t>
             </a:r>
           </a:p>
           <a:p>
             <a:pPr lvl="1"/>
             <a:r>
-              <a:rPr lang="en-US" smtClean="0"/>
+              <a:rPr lang="en-US"/>
               <a:t>Second level</a:t>
             </a:r>
           </a:p>
           <a:p>
             <a:pPr lvl="2"/>
             <a:r>
-              <a:rPr lang="en-US" smtClean="0"/>
+              <a:rPr lang="en-US"/>
               <a:t>Third level</a:t>
             </a:r>
           </a:p>
           <a:p>
             <a:pPr lvl="3"/>
             <a:r>
-              <a:rPr lang="en-US" smtClean="0"/>
+              <a:rPr lang="en-US"/>
               <a:t>Fourth level</a:t>
             </a:r>
           </a:p>
           <a:p>
             <a:pPr lvl="4"/>
             <a:r>
-              <a:rPr lang="en-US" smtClean="0"/>
+              <a:rPr lang="en-US"/>
               <a:t>Fifth level</a:t>
             </a:r>
-            <a:endParaRPr lang="en-US"/>
           </a:p>
         </p:txBody>
       </p:sp>
@@ -1764,7 +1765,7 @@
           <a:p>
             <a:fld id="{F694978D-A894-E24D-9868-C9A03761E7E6}" type="datetimeFigureOut">
               <a:rPr lang="en-US" smtClean="0"/>
-              <a:t>7/28/17</a:t>
+              <a:t>9/13/18</a:t>
             </a:fld>
             <a:endParaRPr lang="en-US"/>
           </a:p>
@@ -1858,10 +1859,9 @@
           <a:lstStyle/>
           <a:p>
             <a:r>
-              <a:rPr lang="en-US" smtClean="0"/>
+              <a:rPr lang="en-US"/>
               <a:t>Click to edit Master title style</a:t>
             </a:r>
-            <a:endParaRPr lang="en-US"/>
           </a:p>
         </p:txBody>
       </p:sp>
@@ -1882,7 +1882,7 @@
           <a:p>
             <a:fld id="{F694978D-A894-E24D-9868-C9A03761E7E6}" type="datetimeFigureOut">
               <a:rPr lang="en-US" smtClean="0"/>
-              <a:t>7/28/17</a:t>
+              <a:t>9/13/18</a:t>
             </a:fld>
             <a:endParaRPr lang="en-US"/>
           </a:p>
@@ -1977,7 +1977,7 @@
           <a:p>
             <a:fld id="{F694978D-A894-E24D-9868-C9A03761E7E6}" type="datetimeFigureOut">
               <a:rPr lang="en-US" smtClean="0"/>
-              <a:t>7/28/17</a:t>
+              <a:t>9/13/18</a:t>
             </a:fld>
             <a:endParaRPr lang="en-US"/>
           </a:p>
@@ -2080,10 +2080,9 @@
           </a:lstStyle>
           <a:p>
             <a:r>
-              <a:rPr lang="en-US" smtClean="0"/>
+              <a:rPr lang="en-US"/>
               <a:t>Click to edit Master title style</a:t>
             </a:r>
-            <a:endParaRPr lang="en-US"/>
           </a:p>
         </p:txBody>
       </p:sp>
@@ -2137,38 +2136,37 @@
           <a:p>
             <a:pPr lvl="0"/>
             <a:r>
-              <a:rPr lang="en-US" smtClean="0"/>
+              <a:rPr lang="en-US"/>
               <a:t>Click to edit Master text styles</a:t>
             </a:r>
           </a:p>
           <a:p>
             <a:pPr lvl="1"/>
             <a:r>
-              <a:rPr lang="en-US" smtClean="0"/>
+              <a:rPr lang="en-US"/>
               <a:t>Second level</a:t>
             </a:r>
           </a:p>
           <a:p>
             <a:pPr lvl="2"/>
             <a:r>
-              <a:rPr lang="en-US" smtClean="0"/>
+              <a:rPr lang="en-US"/>
               <a:t>Third level</a:t>
             </a:r>
           </a:p>
           <a:p>
             <a:pPr lvl="3"/>
             <a:r>
-              <a:rPr lang="en-US" smtClean="0"/>
+              <a:rPr lang="en-US"/>
               <a:t>Fourth level</a:t>
             </a:r>
           </a:p>
           <a:p>
             <a:pPr lvl="4"/>
             <a:r>
-              <a:rPr lang="en-US" smtClean="0"/>
+              <a:rPr lang="en-US"/>
               <a:t>Fifth level</a:t>
             </a:r>
-            <a:endParaRPr lang="en-US"/>
           </a:p>
         </p:txBody>
       </p:sp>
@@ -2231,7 +2229,7 @@
           <a:p>
             <a:pPr lvl="0"/>
             <a:r>
-              <a:rPr lang="en-US" smtClean="0"/>
+              <a:rPr lang="en-US"/>
               <a:t>Click to edit Master text styles</a:t>
             </a:r>
           </a:p>
@@ -2254,7 +2252,7 @@
           <a:p>
             <a:fld id="{F694978D-A894-E24D-9868-C9A03761E7E6}" type="datetimeFigureOut">
               <a:rPr lang="en-US" smtClean="0"/>
-              <a:t>7/28/17</a:t>
+              <a:t>9/13/18</a:t>
             </a:fld>
             <a:endParaRPr lang="en-US"/>
           </a:p>
@@ -2357,10 +2355,9 @@
           </a:lstStyle>
           <a:p>
             <a:r>
-              <a:rPr lang="en-US" smtClean="0"/>
+              <a:rPr lang="en-US"/>
               <a:t>Click to edit Master title style</a:t>
             </a:r>
-            <a:endParaRPr lang="en-US"/>
           </a:p>
         </p:txBody>
       </p:sp>
@@ -2484,7 +2481,7 @@
           <a:p>
             <a:pPr lvl="0"/>
             <a:r>
-              <a:rPr lang="en-US" smtClean="0"/>
+              <a:rPr lang="en-US"/>
               <a:t>Click to edit Master text styles</a:t>
             </a:r>
           </a:p>
@@ -2507,7 +2504,7 @@
           <a:p>
             <a:fld id="{F694978D-A894-E24D-9868-C9A03761E7E6}" type="datetimeFigureOut">
               <a:rPr lang="en-US" smtClean="0"/>
-              <a:t>7/28/17</a:t>
+              <a:t>9/13/18</a:t>
             </a:fld>
             <a:endParaRPr lang="en-US"/>
           </a:p>
@@ -2616,10 +2613,9 @@
           <a:lstStyle/>
           <a:p>
             <a:r>
-              <a:rPr lang="en-US" smtClean="0"/>
+              <a:rPr lang="en-US"/>
               <a:t>Click to edit Master title style</a:t>
             </a:r>
-            <a:endParaRPr lang="en-US"/>
           </a:p>
         </p:txBody>
       </p:sp>
@@ -2650,38 +2646,37 @@
           <a:p>
             <a:pPr lvl="0"/>
             <a:r>
-              <a:rPr lang="en-US" smtClean="0"/>
+              <a:rPr lang="en-US"/>
               <a:t>Click to edit Master text styles</a:t>
             </a:r>
           </a:p>
           <a:p>
             <a:pPr lvl="1"/>
             <a:r>
-              <a:rPr lang="en-US" smtClean="0"/>
+              <a:rPr lang="en-US"/>
               <a:t>Second level</a:t>
             </a:r>
           </a:p>
           <a:p>
             <a:pPr lvl="2"/>
             <a:r>
-              <a:rPr lang="en-US" smtClean="0"/>
+              <a:rPr lang="en-US"/>
               <a:t>Third level</a:t>
             </a:r>
           </a:p>
           <a:p>
             <a:pPr lvl="3"/>
             <a:r>
-              <a:rPr lang="en-US" smtClean="0"/>
+              <a:rPr lang="en-US"/>
               <a:t>Fourth level</a:t>
             </a:r>
           </a:p>
           <a:p>
             <a:pPr lvl="4"/>
             <a:r>
-              <a:rPr lang="en-US" smtClean="0"/>
+              <a:rPr lang="en-US"/>
               <a:t>Fifth level</a:t>
             </a:r>
-            <a:endParaRPr lang="en-US"/>
           </a:p>
         </p:txBody>
       </p:sp>
@@ -2720,7 +2715,7 @@
           <a:p>
             <a:fld id="{F694978D-A894-E24D-9868-C9A03761E7E6}" type="datetimeFigureOut">
               <a:rPr lang="en-US" smtClean="0"/>
-              <a:t>7/28/17</a:t>
+              <a:t>9/13/18</a:t>
             </a:fld>
             <a:endParaRPr lang="en-US"/>
           </a:p>
@@ -3117,8 +3112,8 @@
         </p:blipFill>
         <p:spPr>
           <a:xfrm>
-            <a:off x="480297" y="4112297"/>
-            <a:ext cx="4418179" cy="1979228"/>
+            <a:off x="463973" y="2975686"/>
+            <a:ext cx="4418179" cy="1336679"/>
           </a:xfrm>
           <a:prstGeom prst="rect">
             <a:avLst/>
@@ -3133,7 +3128,7 @@
         </p:nvCxnSpPr>
         <p:spPr>
           <a:xfrm>
-            <a:off x="1768780" y="708190"/>
+            <a:off x="1763233" y="268050"/>
             <a:ext cx="887432" cy="54841"/>
           </a:xfrm>
           <a:prstGeom prst="straightConnector1">
@@ -3169,7 +3164,7 @@
         </p:nvSpPr>
         <p:spPr>
           <a:xfrm>
-            <a:off x="762642" y="338858"/>
+            <a:off x="54398" y="42393"/>
             <a:ext cx="1609492" cy="369332"/>
           </a:xfrm>
           <a:prstGeom prst="rect">
@@ -3188,16 +3183,12 @@
           <a:p>
             <a:pPr algn="ctr"/>
             <a:r>
-              <a:rPr lang="en-US" dirty="0" smtClean="0">
+              <a:rPr lang="en-US" dirty="0">
                 <a:latin typeface="Times New Roman"/>
                 <a:cs typeface="Times New Roman"/>
               </a:rPr>
               <a:t>Vision System</a:t>
             </a:r>
-            <a:endParaRPr lang="en-US" dirty="0">
-              <a:latin typeface="Times New Roman"/>
-              <a:cs typeface="Times New Roman"/>
-            </a:endParaRPr>
           </a:p>
         </p:txBody>
       </p:sp>
@@ -3209,10 +3200,10 @@
         </p:nvGrpSpPr>
         <p:grpSpPr>
           <a:xfrm>
-            <a:off x="5431478" y="2460341"/>
-            <a:ext cx="2266729" cy="3100350"/>
+            <a:off x="5415154" y="1323730"/>
+            <a:ext cx="2266729" cy="3012228"/>
             <a:chOff x="5234764" y="2542349"/>
-            <a:chExt cx="2266729" cy="3100350"/>
+            <a:chExt cx="2266729" cy="3012228"/>
           </a:xfrm>
         </p:grpSpPr>
         <p:sp>
@@ -3223,7 +3214,7 @@
           </p:nvSpPr>
           <p:spPr>
             <a:xfrm>
-              <a:off x="6165299" y="5273367"/>
+              <a:off x="6101544" y="5185245"/>
               <a:ext cx="855351" cy="369332"/>
             </a:xfrm>
             <a:prstGeom prst="rect">
@@ -3238,16 +3229,12 @@
             <a:lstStyle/>
             <a:p>
               <a:r>
-                <a:rPr lang="en-US" dirty="0" smtClean="0">
+                <a:rPr lang="en-US" dirty="0">
                   <a:latin typeface="Times"/>
                   <a:cs typeface="Times"/>
                 </a:rPr>
                 <a:t>3 cm</a:t>
               </a:r>
-              <a:endParaRPr lang="en-US" dirty="0">
-                <a:latin typeface="Times"/>
-                <a:cs typeface="Times"/>
-              </a:endParaRPr>
             </a:p>
           </p:txBody>
         </p:sp>
@@ -3289,7 +3276,7 @@
           </p:nvCxnSpPr>
           <p:spPr>
             <a:xfrm flipV="1">
-              <a:off x="5610023" y="5268311"/>
+              <a:off x="5520846" y="5212289"/>
               <a:ext cx="1604938" cy="5056"/>
             </a:xfrm>
             <a:prstGeom prst="straightConnector1">
@@ -3327,7 +3314,7 @@
         </p:nvSpPr>
         <p:spPr>
           <a:xfrm>
-            <a:off x="2674478" y="440140"/>
+            <a:off x="2668931" y="0"/>
             <a:ext cx="562155" cy="590942"/>
           </a:xfrm>
           <a:prstGeom prst="cube">
@@ -3365,7 +3352,7 @@
         </p:nvSpPr>
         <p:spPr>
           <a:xfrm>
-            <a:off x="2773586" y="1031082"/>
+            <a:off x="2768039" y="590942"/>
             <a:ext cx="354066" cy="209158"/>
           </a:xfrm>
           <a:prstGeom prst="trapezoid">
@@ -3405,7 +3392,7 @@
         </p:nvSpPr>
         <p:spPr>
           <a:xfrm rot="3582198">
-            <a:off x="3490212" y="2366957"/>
+            <a:off x="3473888" y="1328314"/>
             <a:ext cx="367582" cy="544348"/>
           </a:xfrm>
           <a:prstGeom prst="trapezoid">
@@ -3452,7 +3439,7 @@
         </p:nvSpPr>
         <p:spPr>
           <a:xfrm rot="19375798">
-            <a:off x="4679008" y="2649416"/>
+            <a:off x="4662684" y="1610773"/>
             <a:ext cx="367582" cy="544348"/>
           </a:xfrm>
           <a:prstGeom prst="trapezoid">
@@ -3499,7 +3486,7 @@
         </p:nvSpPr>
         <p:spPr>
           <a:xfrm rot="287208">
-            <a:off x="4008973" y="2621625"/>
+            <a:off x="3992649" y="1582982"/>
             <a:ext cx="367582" cy="544348"/>
           </a:xfrm>
           <a:prstGeom prst="trapezoid">
@@ -3546,7 +3533,7 @@
         </p:nvSpPr>
         <p:spPr>
           <a:xfrm>
-            <a:off x="2514847" y="1873989"/>
+            <a:off x="2498523" y="884330"/>
             <a:ext cx="784455" cy="101357"/>
           </a:xfrm>
           <a:prstGeom prst="trapezoid">
@@ -3584,7 +3571,7 @@
         </p:nvSpPr>
         <p:spPr>
           <a:xfrm>
-            <a:off x="2514847" y="1975347"/>
+            <a:off x="2498523" y="985688"/>
             <a:ext cx="784455" cy="423456"/>
           </a:xfrm>
           <a:prstGeom prst="cube">
@@ -3619,13 +3606,15 @@
       <p:cxnSp>
         <p:nvCxnSpPr>
           <p:cNvPr id="470" name="Straight Arrow Connector 469"/>
-          <p:cNvCxnSpPr/>
+          <p:cNvCxnSpPr>
+            <a:cxnSpLocks/>
+          </p:cNvCxnSpPr>
           <p:nvPr/>
         </p:nvCxnSpPr>
         <p:spPr>
           <a:xfrm flipH="1">
-            <a:off x="444383" y="1614528"/>
-            <a:ext cx="160154" cy="937730"/>
+            <a:off x="428060" y="907418"/>
+            <a:ext cx="170006" cy="606197"/>
           </a:xfrm>
           <a:prstGeom prst="straightConnector1">
             <a:avLst/>
@@ -3660,7 +3649,7 @@
         </p:nvSpPr>
         <p:spPr>
           <a:xfrm>
-            <a:off x="70722" y="1245196"/>
+            <a:off x="-20679" y="476498"/>
             <a:ext cx="2034559" cy="369332"/>
           </a:xfrm>
           <a:prstGeom prst="rect">
@@ -3676,16 +3665,12 @@
           <a:p>
             <a:pPr algn="ctr"/>
             <a:r>
-              <a:rPr lang="en-US" dirty="0" smtClean="0">
+              <a:rPr lang="en-US" dirty="0">
                 <a:latin typeface="Times New Roman"/>
                 <a:cs typeface="Times New Roman"/>
               </a:rPr>
               <a:t>50W LED Lights</a:t>
             </a:r>
-            <a:endParaRPr lang="en-US" dirty="0">
-              <a:latin typeface="Times New Roman"/>
-              <a:cs typeface="Times New Roman"/>
-            </a:endParaRPr>
           </a:p>
         </p:txBody>
       </p:sp>
@@ -3697,7 +3682,7 @@
         </p:nvSpPr>
         <p:spPr>
           <a:xfrm>
-            <a:off x="4256871" y="950995"/>
+            <a:off x="4240547" y="165444"/>
             <a:ext cx="1813111" cy="369332"/>
           </a:xfrm>
           <a:prstGeom prst="rect">
@@ -3713,29 +3698,28 @@
           <a:p>
             <a:pPr algn="ctr"/>
             <a:r>
-              <a:rPr lang="en-US" dirty="0" smtClean="0">
+              <a:rPr lang="en-US" dirty="0">
                 <a:latin typeface="Times"/>
                 <a:cs typeface="Times"/>
               </a:rPr>
               <a:t>30W LED Lights</a:t>
             </a:r>
-            <a:endParaRPr lang="en-US" dirty="0">
-              <a:latin typeface="Times"/>
-              <a:cs typeface="Times"/>
-            </a:endParaRPr>
           </a:p>
         </p:txBody>
       </p:sp>
       <p:cxnSp>
         <p:nvCxnSpPr>
           <p:cNvPr id="473" name="Straight Arrow Connector 472"/>
-          <p:cNvCxnSpPr/>
+          <p:cNvCxnSpPr>
+            <a:cxnSpLocks/>
+            <a:stCxn id="472" idx="2"/>
+          </p:cNvCxnSpPr>
           <p:nvPr/>
         </p:nvCxnSpPr>
         <p:spPr>
           <a:xfrm flipH="1">
-            <a:off x="4993931" y="1320327"/>
-            <a:ext cx="179579" cy="1484688"/>
+            <a:off x="4977609" y="534776"/>
+            <a:ext cx="169494" cy="1133628"/>
           </a:xfrm>
           <a:prstGeom prst="straightConnector1">
             <a:avLst/>
@@ -3770,7 +3754,7 @@
         </p:nvSpPr>
         <p:spPr>
           <a:xfrm rot="565866">
-            <a:off x="3946533" y="2000108"/>
+            <a:off x="3930209" y="961465"/>
             <a:ext cx="856791" cy="526890"/>
           </a:xfrm>
           <a:prstGeom prst="cube">
@@ -3813,7 +3797,7 @@
         </p:nvSpPr>
         <p:spPr>
           <a:xfrm rot="20555765" flipH="1">
-            <a:off x="845666" y="2156520"/>
+            <a:off x="829342" y="1117877"/>
             <a:ext cx="869499" cy="484568"/>
           </a:xfrm>
           <a:prstGeom prst="cube">
@@ -3853,13 +3837,15 @@
       <p:cxnSp>
         <p:nvCxnSpPr>
           <p:cNvPr id="476" name="Straight Arrow Connector 475"/>
-          <p:cNvCxnSpPr/>
+          <p:cNvCxnSpPr>
+            <a:cxnSpLocks/>
+          </p:cNvCxnSpPr>
           <p:nvPr/>
         </p:nvCxnSpPr>
         <p:spPr>
           <a:xfrm flipH="1">
-            <a:off x="4489128" y="1286513"/>
-            <a:ext cx="351574" cy="688834"/>
+            <a:off x="4472804" y="494532"/>
+            <a:ext cx="208013" cy="344204"/>
           </a:xfrm>
           <a:prstGeom prst="straightConnector1">
             <a:avLst/>
@@ -3894,7 +3880,7 @@
         </p:nvSpPr>
         <p:spPr>
           <a:xfrm>
-            <a:off x="284231" y="2938128"/>
+            <a:off x="267907" y="1899485"/>
             <a:ext cx="478411" cy="331769"/>
           </a:xfrm>
           <a:prstGeom prst="cube">
@@ -3934,7 +3920,7 @@
         </p:nvSpPr>
         <p:spPr>
           <a:xfrm>
-            <a:off x="284231" y="2639968"/>
+            <a:off x="267907" y="1601325"/>
             <a:ext cx="478411" cy="299621"/>
           </a:xfrm>
           <a:prstGeom prst="trapezoid">
@@ -3967,13 +3953,15 @@
       <p:cxnSp>
         <p:nvCxnSpPr>
           <p:cNvPr id="479" name="Straight Arrow Connector 478"/>
-          <p:cNvCxnSpPr/>
+          <p:cNvCxnSpPr>
+            <a:cxnSpLocks/>
+          </p:cNvCxnSpPr>
           <p:nvPr/>
         </p:nvCxnSpPr>
         <p:spPr>
           <a:xfrm>
-            <a:off x="1962893" y="1505935"/>
-            <a:ext cx="409241" cy="368054"/>
+            <a:off x="1898014" y="718688"/>
+            <a:ext cx="457796" cy="116658"/>
           </a:xfrm>
           <a:prstGeom prst="straightConnector1">
             <a:avLst/>
@@ -4008,7 +3996,7 @@
         </p:nvSpPr>
         <p:spPr>
           <a:xfrm>
-            <a:off x="5370778" y="2639131"/>
+            <a:off x="5354454" y="1600488"/>
             <a:ext cx="435959" cy="331769"/>
           </a:xfrm>
           <a:prstGeom prst="cube">
@@ -4048,7 +4036,7 @@
         </p:nvSpPr>
         <p:spPr>
           <a:xfrm>
-            <a:off x="5370778" y="2340971"/>
+            <a:off x="5354454" y="1302328"/>
             <a:ext cx="435959" cy="299621"/>
           </a:xfrm>
           <a:prstGeom prst="trapezoid">
@@ -4086,7 +4074,7 @@
         </p:nvSpPr>
         <p:spPr>
           <a:xfrm rot="20555765" flipH="1" flipV="1">
-            <a:off x="4318475" y="2982118"/>
+            <a:off x="4302151" y="1943475"/>
             <a:ext cx="869499" cy="545001"/>
           </a:xfrm>
           <a:prstGeom prst="cube">
@@ -4131,7 +4119,7 @@
         </p:nvSpPr>
         <p:spPr>
           <a:xfrm rot="565866" flipV="1">
-            <a:off x="847355" y="3110060"/>
+            <a:off x="831031" y="2071417"/>
             <a:ext cx="856791" cy="567860"/>
           </a:xfrm>
           <a:prstGeom prst="cube">
@@ -4174,22 +4162,24 @@
         </p:nvGrpSpPr>
         <p:grpSpPr>
           <a:xfrm>
-            <a:off x="604536" y="1286513"/>
-            <a:ext cx="4587821" cy="3645393"/>
-            <a:chOff x="540096" y="1313934"/>
-            <a:chExt cx="4587821" cy="3645393"/>
+            <a:off x="456855" y="800100"/>
+            <a:ext cx="4719178" cy="2723531"/>
+            <a:chOff x="408739" y="1964132"/>
+            <a:chExt cx="4719178" cy="2723531"/>
           </a:xfrm>
         </p:grpSpPr>
         <p:cxnSp>
           <p:nvCxnSpPr>
             <p:cNvPr id="486" name="Straight Arrow Connector 485"/>
-            <p:cNvCxnSpPr/>
+            <p:cNvCxnSpPr>
+              <a:cxnSpLocks/>
+            </p:cNvCxnSpPr>
             <p:nvPr/>
           </p:nvCxnSpPr>
           <p:spPr>
             <a:xfrm flipV="1">
-              <a:off x="540096" y="3993742"/>
-              <a:ext cx="2255113" cy="965585"/>
+              <a:off x="408739" y="4042218"/>
+              <a:ext cx="2246154" cy="645445"/>
             </a:xfrm>
             <a:prstGeom prst="straightConnector1">
               <a:avLst/>
@@ -4240,29 +4230,27 @@
             <a:lstStyle/>
             <a:p>
               <a:r>
-                <a:rPr lang="en-US" dirty="0" smtClean="0">
+                <a:rPr lang="en-US" dirty="0">
                   <a:latin typeface="Times"/>
                   <a:cs typeface="Times"/>
                 </a:rPr>
                 <a:t>1.5 m</a:t>
               </a:r>
-              <a:endParaRPr lang="en-US" dirty="0">
-                <a:latin typeface="Times"/>
-                <a:cs typeface="Times"/>
-              </a:endParaRPr>
             </a:p>
           </p:txBody>
         </p:sp>
         <p:cxnSp>
           <p:nvCxnSpPr>
             <p:cNvPr id="488" name="Straight Arrow Connector 487"/>
-            <p:cNvCxnSpPr/>
+            <p:cNvCxnSpPr>
+              <a:cxnSpLocks/>
+            </p:cNvCxnSpPr>
             <p:nvPr/>
           </p:nvCxnSpPr>
           <p:spPr>
             <a:xfrm>
-              <a:off x="2886179" y="4037734"/>
-              <a:ext cx="1844248" cy="101984"/>
+              <a:off x="2654893" y="4043262"/>
+              <a:ext cx="2075534" cy="96456"/>
             </a:xfrm>
             <a:prstGeom prst="straightConnector1">
               <a:avLst/>
@@ -4298,7 +4286,7 @@
           </p:nvSpPr>
           <p:spPr>
             <a:xfrm>
-              <a:off x="2179349" y="2579679"/>
+              <a:off x="2236159" y="2832992"/>
               <a:ext cx="1728579" cy="369332"/>
             </a:xfrm>
             <a:prstGeom prst="rect">
@@ -4317,19 +4305,8 @@
                   <a:latin typeface="Times"/>
                   <a:cs typeface="Times"/>
                 </a:rPr>
-                <a:t>1</a:t>
+                <a:t>1.5 m</a:t>
               </a:r>
-              <a:r>
-                <a:rPr lang="en-US" dirty="0" smtClean="0">
-                  <a:latin typeface="Times"/>
-                  <a:cs typeface="Times"/>
-                </a:rPr>
-                <a:t>.5 m</a:t>
-              </a:r>
-              <a:endParaRPr lang="en-US" dirty="0">
-                <a:latin typeface="Times"/>
-                <a:cs typeface="Times"/>
-              </a:endParaRPr>
             </a:p>
           </p:txBody>
         </p:sp>
@@ -4356,29 +4333,28 @@
             <a:lstStyle/>
             <a:p>
               <a:r>
-                <a:rPr lang="en-US" dirty="0" smtClean="0">
+                <a:rPr lang="en-US" dirty="0">
                   <a:latin typeface="Times"/>
                   <a:cs typeface="Times"/>
                 </a:rPr>
                 <a:t>1.2 m</a:t>
               </a:r>
-              <a:endParaRPr lang="en-US" dirty="0">
-                <a:latin typeface="Times"/>
-                <a:cs typeface="Times"/>
-              </a:endParaRPr>
             </a:p>
           </p:txBody>
         </p:sp>
         <p:cxnSp>
           <p:nvCxnSpPr>
             <p:cNvPr id="491" name="Straight Arrow Connector 490"/>
-            <p:cNvCxnSpPr/>
+            <p:cNvCxnSpPr>
+              <a:cxnSpLocks/>
+              <a:endCxn id="464" idx="2"/>
+            </p:cNvCxnSpPr>
             <p:nvPr/>
           </p:nvCxnSpPr>
           <p:spPr>
-            <a:xfrm flipV="1">
-              <a:off x="2886179" y="1313934"/>
-              <a:ext cx="0" cy="3318774"/>
+            <a:xfrm flipH="1" flipV="1">
+              <a:off x="2896956" y="1964132"/>
+              <a:ext cx="6455" cy="2534014"/>
             </a:xfrm>
             <a:prstGeom prst="straightConnector1">
               <a:avLst/>
@@ -4415,10 +4391,10 @@
         </p:nvGrpSpPr>
         <p:grpSpPr>
           <a:xfrm>
-            <a:off x="3972368" y="4521454"/>
-            <a:ext cx="1433138" cy="841673"/>
-            <a:chOff x="3907928" y="4548875"/>
-            <a:chExt cx="1433138" cy="841673"/>
+            <a:off x="3430830" y="3251383"/>
+            <a:ext cx="1958352" cy="894052"/>
+            <a:chOff x="3382714" y="4415415"/>
+            <a:chExt cx="1958352" cy="894052"/>
           </a:xfrm>
         </p:grpSpPr>
         <p:sp>
@@ -4445,7 +4421,7 @@
             <a:p>
               <a:pPr algn="ctr"/>
               <a:r>
-                <a:rPr lang="en-US" dirty="0" smtClean="0">
+                <a:rPr lang="en-US" dirty="0">
                   <a:latin typeface="Times"/>
                   <a:cs typeface="Times"/>
                 </a:rPr>
@@ -4457,13 +4433,15 @@
         <p:cxnSp>
           <p:nvCxnSpPr>
             <p:cNvPr id="494" name="Straight Arrow Connector 493"/>
-            <p:cNvCxnSpPr/>
+            <p:cNvCxnSpPr>
+              <a:cxnSpLocks/>
+            </p:cNvCxnSpPr>
             <p:nvPr/>
           </p:nvCxnSpPr>
           <p:spPr>
-            <a:xfrm flipH="1" flipV="1">
-              <a:off x="3907928" y="4548875"/>
-              <a:ext cx="459852" cy="841673"/>
+            <a:xfrm flipV="1">
+              <a:off x="3382714" y="4415415"/>
+              <a:ext cx="525772" cy="195593"/>
             </a:xfrm>
             <a:prstGeom prst="straightConnector1">
               <a:avLst/>
@@ -4530,13 +4508,15 @@
       <p:cxnSp>
         <p:nvCxnSpPr>
           <p:cNvPr id="498" name="Straight Arrow Connector 497"/>
-          <p:cNvCxnSpPr/>
+          <p:cNvCxnSpPr>
+            <a:cxnSpLocks/>
+          </p:cNvCxnSpPr>
           <p:nvPr/>
         </p:nvCxnSpPr>
         <p:spPr>
           <a:xfrm flipV="1">
-            <a:off x="1122798" y="5443086"/>
-            <a:ext cx="295305" cy="435387"/>
+            <a:off x="1182673" y="3764346"/>
+            <a:ext cx="603614" cy="399464"/>
           </a:xfrm>
           <a:prstGeom prst="straightConnector1">
             <a:avLst/>
@@ -4571,7 +4551,7 @@
         </p:nvSpPr>
         <p:spPr>
           <a:xfrm>
-            <a:off x="136198" y="5912655"/>
+            <a:off x="-440258" y="4021307"/>
             <a:ext cx="2076297" cy="369332"/>
           </a:xfrm>
           <a:prstGeom prst="rect">
@@ -4587,16 +4567,12 @@
           <a:p>
             <a:pPr algn="ctr"/>
             <a:r>
-              <a:rPr lang="en-US" dirty="0" smtClean="0">
+              <a:rPr lang="en-US" dirty="0">
                 <a:latin typeface="Times New Roman"/>
                 <a:cs typeface="Times New Roman"/>
               </a:rPr>
               <a:t>Workspace</a:t>
             </a:r>
-            <a:endParaRPr lang="en-US" dirty="0">
-              <a:latin typeface="Times New Roman"/>
-              <a:cs typeface="Times New Roman"/>
-            </a:endParaRPr>
           </a:p>
         </p:txBody>
       </p:sp>
@@ -4608,7 +4584,7 @@
         </p:nvSpPr>
         <p:spPr>
           <a:xfrm>
-            <a:off x="2514847" y="3183166"/>
+            <a:off x="2498523" y="2144523"/>
             <a:ext cx="952312" cy="521052"/>
           </a:xfrm>
           <a:prstGeom prst="cube">
@@ -4648,7 +4624,7 @@
         </p:nvSpPr>
         <p:spPr>
           <a:xfrm flipV="1">
-            <a:off x="2514847" y="3706693"/>
+            <a:off x="2498523" y="2668050"/>
             <a:ext cx="952312" cy="127062"/>
           </a:xfrm>
           <a:prstGeom prst="trapezoid">
@@ -4688,7 +4664,7 @@
         </p:nvSpPr>
         <p:spPr bwMode="auto">
           <a:xfrm>
-            <a:off x="5464664" y="2793994"/>
+            <a:off x="5448340" y="1657383"/>
             <a:ext cx="2261567" cy="2303386"/>
           </a:xfrm>
           <a:prstGeom prst="ellipse">
@@ -4705,7 +4681,7 @@
           </a:ln>
           <a:extLst>
             <a:ext uri="{909E8E84-426E-40dd-AFC4-6F175D3DCCD1}">
-              <a14:hiddenFill xmlns:a14="http://schemas.microsoft.com/office/drawing/2010/main">
+              <a14:hiddenFill xmlns:a14="http://schemas.microsoft.com/office/drawing/2010/main" xmlns="">
                 <a:solidFill>
                   <a:srgbClr val="FFFFFF"/>
                 </a:solidFill>
@@ -4734,8 +4710,8 @@
         </p:nvSpPr>
         <p:spPr bwMode="auto">
           <a:xfrm flipV="1">
-            <a:off x="4347445" y="4477069"/>
-            <a:ext cx="77657" cy="60872"/>
+            <a:off x="4557241" y="3092869"/>
+            <a:ext cx="77657" cy="80971"/>
           </a:xfrm>
           <a:prstGeom prst="ellipse">
             <a:avLst/>
@@ -4751,7 +4727,7 @@
           </a:ln>
           <a:extLst>
             <a:ext uri="{909E8E84-426E-40dd-AFC4-6F175D3DCCD1}">
-              <a14:hiddenFill xmlns:a14="http://schemas.microsoft.com/office/drawing/2010/main">
+              <a14:hiddenFill xmlns:a14="http://schemas.microsoft.com/office/drawing/2010/main" xmlns="">
                 <a:solidFill>
                   <a:srgbClr val="FFFFFF"/>
                 </a:solidFill>
@@ -4775,15 +4751,14 @@
           <p:cNvPr id="504" name="Straight Connector 5"/>
           <p:cNvCxnSpPr>
             <a:cxnSpLocks noChangeShapeType="1"/>
-            <a:stCxn id="502" idx="1"/>
             <a:endCxn id="503" idx="4"/>
           </p:cNvCxnSpPr>
           <p:nvPr/>
         </p:nvCxnSpPr>
         <p:spPr bwMode="auto">
           <a:xfrm flipH="1">
-            <a:off x="4386274" y="3131317"/>
-            <a:ext cx="1409589" cy="1345752"/>
+            <a:off x="4596070" y="1932257"/>
+            <a:ext cx="1239580" cy="1160612"/>
           </a:xfrm>
           <a:prstGeom prst="line">
             <a:avLst/>
@@ -4799,7 +4774,7 @@
           </a:ln>
           <a:extLst>
             <a:ext uri="{909E8E84-426E-40dd-AFC4-6F175D3DCCD1}">
-              <a14:hiddenFill xmlns:a14="http://schemas.microsoft.com/office/drawing/2010/main">
+              <a14:hiddenFill xmlns:a14="http://schemas.microsoft.com/office/drawing/2010/main" xmlns="">
                 <a:noFill/>
               </a14:hiddenFill>
             </a:ext>
@@ -4811,14 +4786,13 @@
           <p:cNvPr id="505" name="Straight Connector 28"/>
           <p:cNvCxnSpPr>
             <a:cxnSpLocks noChangeShapeType="1"/>
-            <a:stCxn id="503" idx="0"/>
           </p:cNvCxnSpPr>
           <p:nvPr/>
         </p:nvCxnSpPr>
         <p:spPr bwMode="auto">
           <a:xfrm>
-            <a:off x="4386274" y="4537941"/>
-            <a:ext cx="1612190" cy="393965"/>
+            <a:off x="4596070" y="3181792"/>
+            <a:ext cx="1515805" cy="675282"/>
           </a:xfrm>
           <a:prstGeom prst="line">
             <a:avLst/>
@@ -4834,7 +4808,7 @@
           </a:ln>
           <a:extLst>
             <a:ext uri="{909E8E84-426E-40dd-AFC4-6F175D3DCCD1}">
-              <a14:hiddenFill xmlns:a14="http://schemas.microsoft.com/office/drawing/2010/main">
+              <a14:hiddenFill xmlns:a14="http://schemas.microsoft.com/office/drawing/2010/main" xmlns="">
                 <a:noFill/>
               </a14:hiddenFill>
             </a:ext>
@@ -4849,7 +4823,7 @@
         </p:nvSpPr>
         <p:spPr>
           <a:xfrm>
-            <a:off x="3712940" y="5463100"/>
+            <a:off x="907976" y="3371368"/>
             <a:ext cx="3407995" cy="369332"/>
           </a:xfrm>
           <a:prstGeom prst="rect">
@@ -4865,7 +4839,7 @@
           <a:p>
             <a:pPr algn="ctr"/>
             <a:r>
-              <a:rPr lang="en-US" dirty="0" smtClean="0">
+              <a:rPr lang="en-US" dirty="0">
                 <a:latin typeface="Times"/>
                 <a:cs typeface="Times"/>
               </a:rPr>
@@ -4882,7 +4856,7 @@
         </p:nvSpPr>
         <p:spPr>
           <a:xfrm>
-            <a:off x="2628298" y="1957337"/>
+            <a:off x="2611974" y="967678"/>
             <a:ext cx="640971" cy="492443"/>
           </a:xfrm>
           <a:prstGeom prst="rect">
@@ -4897,16 +4871,12 @@
           <a:lstStyle/>
           <a:p>
             <a:r>
-              <a:rPr lang="en-US" sz="2600" dirty="0" smtClean="0">
+              <a:rPr lang="en-US" sz="2600" dirty="0">
                 <a:latin typeface="Times"/>
                 <a:cs typeface="Times"/>
               </a:rPr>
               <a:t>NE</a:t>
             </a:r>
-            <a:endParaRPr lang="en-US" sz="2600" dirty="0">
-              <a:latin typeface="Times"/>
-              <a:cs typeface="Times"/>
-            </a:endParaRPr>
           </a:p>
         </p:txBody>
       </p:sp>
@@ -4918,7 +4888,7 @@
         </p:nvSpPr>
         <p:spPr>
           <a:xfrm>
-            <a:off x="2641989" y="3183166"/>
+            <a:off x="2625665" y="2144523"/>
             <a:ext cx="825170" cy="492443"/>
           </a:xfrm>
           <a:prstGeom prst="rect">
@@ -4933,16 +4903,12 @@
           <a:lstStyle/>
           <a:p>
             <a:r>
-              <a:rPr lang="en-US" sz="2600" dirty="0" smtClean="0">
+              <a:rPr lang="en-US" sz="2600" dirty="0">
                 <a:latin typeface="Times"/>
                 <a:cs typeface="Times"/>
               </a:rPr>
               <a:t>SW</a:t>
             </a:r>
-            <a:endParaRPr lang="en-US" sz="2600" dirty="0">
-              <a:latin typeface="Times"/>
-              <a:cs typeface="Times"/>
-            </a:endParaRPr>
           </a:p>
         </p:txBody>
       </p:sp>
@@ -4954,7 +4920,7 @@
         </p:nvSpPr>
         <p:spPr>
           <a:xfrm>
-            <a:off x="943610" y="3056383"/>
+            <a:off x="927286" y="2017740"/>
             <a:ext cx="825170" cy="492443"/>
           </a:xfrm>
           <a:prstGeom prst="rect">
@@ -4969,16 +4935,12 @@
           <a:lstStyle/>
           <a:p>
             <a:r>
-              <a:rPr lang="en-US" sz="2600" dirty="0" smtClean="0">
+              <a:rPr lang="en-US" sz="2600" dirty="0">
                 <a:latin typeface="Times"/>
                 <a:cs typeface="Times"/>
               </a:rPr>
               <a:t>W</a:t>
             </a:r>
-            <a:endParaRPr lang="en-US" sz="2600" dirty="0">
-              <a:latin typeface="Times"/>
-              <a:cs typeface="Times"/>
-            </a:endParaRPr>
           </a:p>
         </p:txBody>
       </p:sp>
@@ -4990,7 +4952,7 @@
         </p:nvSpPr>
         <p:spPr>
           <a:xfrm>
-            <a:off x="220807" y="2876540"/>
+            <a:off x="204483" y="1837897"/>
             <a:ext cx="825170" cy="400110"/>
           </a:xfrm>
           <a:prstGeom prst="rect">
@@ -5009,19 +4971,8 @@
                 <a:latin typeface="Times"/>
                 <a:cs typeface="Times"/>
               </a:rPr>
-              <a:t>N</a:t>
-            </a:r>
-            <a:r>
-              <a:rPr lang="en-US" sz="2000" dirty="0" smtClean="0">
-                <a:latin typeface="Times"/>
-                <a:cs typeface="Times"/>
-              </a:rPr>
-              <a:t>W</a:t>
-            </a:r>
-            <a:endParaRPr lang="en-US" sz="2000" dirty="0">
-              <a:latin typeface="Times"/>
-              <a:cs typeface="Times"/>
-            </a:endParaRPr>
+              <a:t>NW</a:t>
+            </a:r>
           </a:p>
         </p:txBody>
       </p:sp>
@@ -5033,7 +4984,7 @@
         </p:nvSpPr>
         <p:spPr>
           <a:xfrm>
-            <a:off x="1175943" y="2146688"/>
+            <a:off x="1159619" y="1108045"/>
             <a:ext cx="825170" cy="492443"/>
           </a:xfrm>
           <a:prstGeom prst="rect">
@@ -5048,16 +4999,12 @@
           <a:lstStyle/>
           <a:p>
             <a:r>
-              <a:rPr lang="en-US" sz="2600" dirty="0" smtClean="0">
+              <a:rPr lang="en-US" sz="2600" dirty="0">
                 <a:latin typeface="Times"/>
                 <a:cs typeface="Times"/>
               </a:rPr>
               <a:t>N</a:t>
             </a:r>
-            <a:endParaRPr lang="en-US" sz="2600" dirty="0">
-              <a:latin typeface="Times"/>
-              <a:cs typeface="Times"/>
-            </a:endParaRPr>
           </a:p>
         </p:txBody>
       </p:sp>
@@ -5069,7 +5016,7 @@
         </p:nvSpPr>
         <p:spPr>
           <a:xfrm>
-            <a:off x="4075186" y="2037575"/>
+            <a:off x="4058862" y="998932"/>
             <a:ext cx="825170" cy="492443"/>
           </a:xfrm>
           <a:prstGeom prst="rect">
@@ -5084,16 +5031,12 @@
           <a:lstStyle/>
           <a:p>
             <a:r>
-              <a:rPr lang="en-US" sz="2600" dirty="0" smtClean="0">
+              <a:rPr lang="en-US" sz="2600" dirty="0">
                 <a:latin typeface="Times"/>
                 <a:cs typeface="Times"/>
               </a:rPr>
               <a:t>E</a:t>
             </a:r>
-            <a:endParaRPr lang="en-US" sz="2600" dirty="0">
-              <a:latin typeface="Times"/>
-              <a:cs typeface="Times"/>
-            </a:endParaRPr>
           </a:p>
         </p:txBody>
       </p:sp>
@@ -5105,7 +5048,7 @@
         </p:nvSpPr>
         <p:spPr>
           <a:xfrm>
-            <a:off x="4617174" y="2921590"/>
+            <a:off x="4600850" y="1882947"/>
             <a:ext cx="825170" cy="492443"/>
           </a:xfrm>
           <a:prstGeom prst="rect">
@@ -5120,16 +5063,12 @@
           <a:lstStyle/>
           <a:p>
             <a:r>
-              <a:rPr lang="en-US" sz="2600" dirty="0" smtClean="0">
+              <a:rPr lang="en-US" sz="2600" dirty="0">
                 <a:latin typeface="Times"/>
                 <a:cs typeface="Times"/>
               </a:rPr>
               <a:t>S</a:t>
             </a:r>
-            <a:endParaRPr lang="en-US" sz="2600" dirty="0">
-              <a:latin typeface="Times"/>
-              <a:cs typeface="Times"/>
-            </a:endParaRPr>
           </a:p>
         </p:txBody>
       </p:sp>
@@ -5141,7 +5080,7 @@
         </p:nvSpPr>
         <p:spPr>
           <a:xfrm>
-            <a:off x="5336142" y="2585711"/>
+            <a:off x="5319818" y="1547068"/>
             <a:ext cx="692885" cy="430887"/>
           </a:xfrm>
           <a:prstGeom prst="rect">
@@ -5156,16 +5095,926 @@
           <a:lstStyle/>
           <a:p>
             <a:r>
-              <a:rPr lang="en-US" sz="2200" dirty="0" smtClean="0">
+              <a:rPr lang="en-US" sz="2200" dirty="0">
                 <a:latin typeface="Times"/>
                 <a:cs typeface="Times"/>
               </a:rPr>
               <a:t>SE</a:t>
             </a:r>
-            <a:endParaRPr lang="en-US" sz="2200" dirty="0">
-              <a:latin typeface="Times"/>
-              <a:cs typeface="Times"/>
-            </a:endParaRPr>
+          </a:p>
+        </p:txBody>
+      </p:sp>
+      <p:pic>
+        <p:nvPicPr>
+          <p:cNvPr id="59" name="Picture 58" descr="KilobotAngle90.pdf">
+            <a:extLst>
+              <a:ext uri="{FF2B5EF4-FFF2-40B4-BE49-F238E27FC236}">
+                <a16:creationId xmlns:a16="http://schemas.microsoft.com/office/drawing/2014/main" id="{5D892C0E-88A3-3842-B7FD-CC96741D9074}"/>
+              </a:ext>
+            </a:extLst>
+          </p:cNvPr>
+          <p:cNvPicPr>
+            <a:picLocks noChangeAspect="1"/>
+          </p:cNvPicPr>
+          <p:nvPr/>
+        </p:nvPicPr>
+        <p:blipFill rotWithShape="1">
+          <a:blip r:embed="rId4" cstate="email">
+            <a:extLst>
+              <a:ext uri="{28A0092B-C50C-407E-A947-70E740481C1C}">
+                <a14:useLocalDpi xmlns:a14="http://schemas.microsoft.com/office/drawing/2010/main"/>
+              </a:ext>
+            </a:extLst>
+          </a:blip>
+          <a:srcRect/>
+          <a:stretch/>
+        </p:blipFill>
+        <p:spPr>
+          <a:xfrm>
+            <a:off x="-38267" y="4466222"/>
+            <a:ext cx="2763660" cy="1946649"/>
+          </a:xfrm>
+          <a:prstGeom prst="rect">
+            <a:avLst/>
+          </a:prstGeom>
+        </p:spPr>
+      </p:pic>
+      <p:cxnSp>
+        <p:nvCxnSpPr>
+          <p:cNvPr id="60" name="Straight Connector 59">
+            <a:extLst>
+              <a:ext uri="{FF2B5EF4-FFF2-40B4-BE49-F238E27FC236}">
+                <a16:creationId xmlns:a16="http://schemas.microsoft.com/office/drawing/2014/main" id="{5822AAAC-EE97-A447-81D1-4DBAD829D820}"/>
+              </a:ext>
+            </a:extLst>
+          </p:cNvPr>
+          <p:cNvCxnSpPr/>
+          <p:nvPr/>
+        </p:nvCxnSpPr>
+        <p:spPr>
+          <a:xfrm flipH="1" flipV="1">
+            <a:off x="1183252" y="5224513"/>
+            <a:ext cx="544286" cy="671286"/>
+          </a:xfrm>
+          <a:prstGeom prst="line">
+            <a:avLst/>
+          </a:prstGeom>
+          <a:ln w="28575" cmpd="sng">
+            <a:solidFill>
+              <a:srgbClr val="008000"/>
+            </a:solidFill>
+          </a:ln>
+        </p:spPr>
+        <p:style>
+          <a:lnRef idx="2">
+            <a:schemeClr val="accent1"/>
+          </a:lnRef>
+          <a:fillRef idx="0">
+            <a:schemeClr val="accent1"/>
+          </a:fillRef>
+          <a:effectRef idx="1">
+            <a:schemeClr val="accent1"/>
+          </a:effectRef>
+          <a:fontRef idx="minor">
+            <a:schemeClr val="tx1"/>
+          </a:fontRef>
+        </p:style>
+      </p:cxnSp>
+      <p:cxnSp>
+        <p:nvCxnSpPr>
+          <p:cNvPr id="61" name="Straight Connector 60">
+            <a:extLst>
+              <a:ext uri="{FF2B5EF4-FFF2-40B4-BE49-F238E27FC236}">
+                <a16:creationId xmlns:a16="http://schemas.microsoft.com/office/drawing/2014/main" id="{368B05CE-706D-DD49-8A92-DE8DB3D048EA}"/>
+              </a:ext>
+            </a:extLst>
+          </p:cNvPr>
+          <p:cNvCxnSpPr/>
+          <p:nvPr/>
+        </p:nvCxnSpPr>
+        <p:spPr>
+          <a:xfrm flipH="1">
+            <a:off x="1183254" y="4707442"/>
+            <a:ext cx="544285" cy="535214"/>
+          </a:xfrm>
+          <a:prstGeom prst="line">
+            <a:avLst/>
+          </a:prstGeom>
+          <a:ln w="28575" cmpd="sng">
+            <a:solidFill>
+              <a:srgbClr val="008000"/>
+            </a:solidFill>
+          </a:ln>
+        </p:spPr>
+        <p:style>
+          <a:lnRef idx="2">
+            <a:schemeClr val="accent1"/>
+          </a:lnRef>
+          <a:fillRef idx="0">
+            <a:schemeClr val="accent1"/>
+          </a:fillRef>
+          <a:effectRef idx="1">
+            <a:schemeClr val="accent1"/>
+          </a:effectRef>
+          <a:fontRef idx="minor">
+            <a:schemeClr val="tx1"/>
+          </a:fontRef>
+        </p:style>
+      </p:cxnSp>
+      <p:cxnSp>
+        <p:nvCxnSpPr>
+          <p:cNvPr id="62" name="Straight Connector 61">
+            <a:extLst>
+              <a:ext uri="{FF2B5EF4-FFF2-40B4-BE49-F238E27FC236}">
+                <a16:creationId xmlns:a16="http://schemas.microsoft.com/office/drawing/2014/main" id="{B310E861-7C69-6E43-8A33-1707B528FD14}"/>
+              </a:ext>
+            </a:extLst>
+          </p:cNvPr>
+          <p:cNvCxnSpPr/>
+          <p:nvPr/>
+        </p:nvCxnSpPr>
+        <p:spPr>
+          <a:xfrm flipV="1">
+            <a:off x="1727538" y="4707443"/>
+            <a:ext cx="0" cy="1188357"/>
+          </a:xfrm>
+          <a:prstGeom prst="line">
+            <a:avLst/>
+          </a:prstGeom>
+          <a:ln>
+            <a:solidFill>
+              <a:schemeClr val="tx1"/>
+            </a:solidFill>
+          </a:ln>
+        </p:spPr>
+        <p:style>
+          <a:lnRef idx="2">
+            <a:schemeClr val="accent1"/>
+          </a:lnRef>
+          <a:fillRef idx="0">
+            <a:schemeClr val="accent1"/>
+          </a:fillRef>
+          <a:effectRef idx="1">
+            <a:schemeClr val="accent1"/>
+          </a:effectRef>
+          <a:fontRef idx="minor">
+            <a:schemeClr val="tx1"/>
+          </a:fontRef>
+        </p:style>
+      </p:cxnSp>
+      <p:sp>
+        <p:nvSpPr>
+          <p:cNvPr id="63" name="Arc 62">
+            <a:extLst>
+              <a:ext uri="{FF2B5EF4-FFF2-40B4-BE49-F238E27FC236}">
+                <a16:creationId xmlns:a16="http://schemas.microsoft.com/office/drawing/2014/main" id="{756C08D0-BD47-4742-96F7-1BD8B4201302}"/>
+              </a:ext>
+            </a:extLst>
+          </p:cNvPr>
+          <p:cNvSpPr/>
+          <p:nvPr/>
+        </p:nvSpPr>
+        <p:spPr>
+          <a:xfrm>
+            <a:off x="1430902" y="5514798"/>
+            <a:ext cx="593272" cy="616858"/>
+          </a:xfrm>
+          <a:prstGeom prst="arc">
+            <a:avLst>
+              <a:gd name="adj1" fmla="val 13149288"/>
+              <a:gd name="adj2" fmla="val 16170489"/>
+            </a:avLst>
+          </a:prstGeom>
+          <a:ln w="28575" cmpd="sng">
+            <a:solidFill>
+              <a:srgbClr val="008000"/>
+            </a:solidFill>
+          </a:ln>
+        </p:spPr>
+        <p:style>
+          <a:lnRef idx="2">
+            <a:schemeClr val="accent1"/>
+          </a:lnRef>
+          <a:fillRef idx="0">
+            <a:schemeClr val="accent1"/>
+          </a:fillRef>
+          <a:effectRef idx="1">
+            <a:schemeClr val="accent1"/>
+          </a:effectRef>
+          <a:fontRef idx="minor">
+            <a:schemeClr val="tx1"/>
+          </a:fontRef>
+        </p:style>
+        <p:txBody>
+          <a:bodyPr rtlCol="0" anchor="ctr"/>
+          <a:lstStyle/>
+          <a:p>
+            <a:pPr algn="ctr"/>
+            <a:endParaRPr lang="en-US" sz="300"/>
+          </a:p>
+        </p:txBody>
+      </p:sp>
+      <p:sp>
+        <p:nvSpPr>
+          <p:cNvPr id="64" name="TextBox 63">
+            <a:extLst>
+              <a:ext uri="{FF2B5EF4-FFF2-40B4-BE49-F238E27FC236}">
+                <a16:creationId xmlns:a16="http://schemas.microsoft.com/office/drawing/2014/main" id="{9E7F343C-27B5-0B4B-8D9A-C63DB739C149}"/>
+              </a:ext>
+            </a:extLst>
+          </p:cNvPr>
+          <p:cNvSpPr txBox="1"/>
+          <p:nvPr/>
+        </p:nvSpPr>
+        <p:spPr>
+          <a:xfrm>
+            <a:off x="24832" y="5969444"/>
+            <a:ext cx="1406071" cy="461665"/>
+          </a:xfrm>
+          <a:prstGeom prst="rect">
+            <a:avLst/>
+          </a:prstGeom>
+          <a:noFill/>
+        </p:spPr>
+        <p:txBody>
+          <a:bodyPr wrap="square" rtlCol="0">
+            <a:spAutoFit/>
+          </a:bodyPr>
+          <a:lstStyle/>
+          <a:p>
+            <a:r>
+              <a:rPr lang="en-US" sz="2400" dirty="0">
+                <a:latin typeface="Times"/>
+                <a:cs typeface="Times"/>
+              </a:rPr>
+              <a:t>α</a:t>
+            </a:r>
+            <a:r>
+              <a:rPr lang="en-US" sz="2400" i="1" dirty="0">
+                <a:latin typeface="Times"/>
+                <a:cs typeface="Times"/>
+              </a:rPr>
+              <a:t> </a:t>
+            </a:r>
+            <a:r>
+              <a:rPr lang="en-US" sz="2400" dirty="0">
+                <a:latin typeface="Times"/>
+                <a:cs typeface="Times"/>
+              </a:rPr>
+              <a:t> ~ 43°</a:t>
+            </a:r>
+          </a:p>
+        </p:txBody>
+      </p:sp>
+      <p:pic>
+        <p:nvPicPr>
+          <p:cNvPr id="65" name="Picture 64" descr="Kilobot45.png">
+            <a:extLst>
+              <a:ext uri="{FF2B5EF4-FFF2-40B4-BE49-F238E27FC236}">
+                <a16:creationId xmlns:a16="http://schemas.microsoft.com/office/drawing/2014/main" id="{6F0E757B-5DA3-D641-B3CF-6F1C7730B071}"/>
+              </a:ext>
+            </a:extLst>
+          </p:cNvPr>
+          <p:cNvPicPr>
+            <a:picLocks noChangeAspect="1"/>
+          </p:cNvPicPr>
+          <p:nvPr/>
+        </p:nvPicPr>
+        <p:blipFill rotWithShape="1">
+          <a:blip r:embed="rId5" cstate="email">
+            <a:extLst>
+              <a:ext uri="{28A0092B-C50C-407E-A947-70E740481C1C}">
+                <a14:useLocalDpi xmlns:a14="http://schemas.microsoft.com/office/drawing/2010/main"/>
+              </a:ext>
+            </a:extLst>
+          </a:blip>
+          <a:srcRect/>
+          <a:stretch/>
+        </p:blipFill>
+        <p:spPr>
+          <a:xfrm>
+            <a:off x="5415154" y="4466221"/>
+            <a:ext cx="2401500" cy="1950068"/>
+          </a:xfrm>
+          <a:prstGeom prst="rect">
+            <a:avLst/>
+          </a:prstGeom>
+        </p:spPr>
+      </p:pic>
+      <p:cxnSp>
+        <p:nvCxnSpPr>
+          <p:cNvPr id="66" name="Straight Connector 65">
+            <a:extLst>
+              <a:ext uri="{FF2B5EF4-FFF2-40B4-BE49-F238E27FC236}">
+                <a16:creationId xmlns:a16="http://schemas.microsoft.com/office/drawing/2014/main" id="{E8C2174D-8A42-FE44-8B7B-777AED8CC1A2}"/>
+              </a:ext>
+            </a:extLst>
+          </p:cNvPr>
+          <p:cNvCxnSpPr/>
+          <p:nvPr/>
+        </p:nvCxnSpPr>
+        <p:spPr>
+          <a:xfrm flipH="1" flipV="1">
+            <a:off x="6272730" y="5459401"/>
+            <a:ext cx="336781" cy="173194"/>
+          </a:xfrm>
+          <a:prstGeom prst="line">
+            <a:avLst/>
+          </a:prstGeom>
+          <a:ln w="28575" cmpd="sng">
+            <a:solidFill>
+              <a:srgbClr val="008000"/>
+            </a:solidFill>
+          </a:ln>
+        </p:spPr>
+        <p:style>
+          <a:lnRef idx="2">
+            <a:schemeClr val="accent1"/>
+          </a:lnRef>
+          <a:fillRef idx="0">
+            <a:schemeClr val="accent1"/>
+          </a:fillRef>
+          <a:effectRef idx="1">
+            <a:schemeClr val="accent1"/>
+          </a:effectRef>
+          <a:fontRef idx="minor">
+            <a:schemeClr val="tx1"/>
+          </a:fontRef>
+        </p:style>
+      </p:cxnSp>
+      <p:cxnSp>
+        <p:nvCxnSpPr>
+          <p:cNvPr id="67" name="Straight Connector 66">
+            <a:extLst>
+              <a:ext uri="{FF2B5EF4-FFF2-40B4-BE49-F238E27FC236}">
+                <a16:creationId xmlns:a16="http://schemas.microsoft.com/office/drawing/2014/main" id="{1DC75591-3ED5-CE4E-886A-05843E4AC731}"/>
+              </a:ext>
+            </a:extLst>
+          </p:cNvPr>
+          <p:cNvCxnSpPr/>
+          <p:nvPr/>
+        </p:nvCxnSpPr>
+        <p:spPr>
+          <a:xfrm flipV="1">
+            <a:off x="6263107" y="4776248"/>
+            <a:ext cx="1193166" cy="654289"/>
+          </a:xfrm>
+          <a:prstGeom prst="line">
+            <a:avLst/>
+          </a:prstGeom>
+          <a:ln w="28575" cmpd="sng">
+            <a:solidFill>
+              <a:srgbClr val="008000"/>
+            </a:solidFill>
+          </a:ln>
+        </p:spPr>
+        <p:style>
+          <a:lnRef idx="2">
+            <a:schemeClr val="accent1"/>
+          </a:lnRef>
+          <a:fillRef idx="0">
+            <a:schemeClr val="accent1"/>
+          </a:fillRef>
+          <a:effectRef idx="1">
+            <a:schemeClr val="accent1"/>
+          </a:effectRef>
+          <a:fontRef idx="minor">
+            <a:schemeClr val="tx1"/>
+          </a:fontRef>
+        </p:style>
+      </p:cxnSp>
+      <p:cxnSp>
+        <p:nvCxnSpPr>
+          <p:cNvPr id="68" name="Straight Connector 67">
+            <a:extLst>
+              <a:ext uri="{FF2B5EF4-FFF2-40B4-BE49-F238E27FC236}">
+                <a16:creationId xmlns:a16="http://schemas.microsoft.com/office/drawing/2014/main" id="{F1587EB9-327A-4447-B803-1BB18837DB66}"/>
+              </a:ext>
+            </a:extLst>
+          </p:cNvPr>
+          <p:cNvCxnSpPr/>
+          <p:nvPr/>
+        </p:nvCxnSpPr>
+        <p:spPr>
+          <a:xfrm flipV="1">
+            <a:off x="6609510" y="5247720"/>
+            <a:ext cx="0" cy="384876"/>
+          </a:xfrm>
+          <a:prstGeom prst="line">
+            <a:avLst/>
+          </a:prstGeom>
+          <a:ln w="19050" cmpd="sng">
+            <a:solidFill>
+              <a:schemeClr val="tx1"/>
+            </a:solidFill>
+          </a:ln>
+        </p:spPr>
+        <p:style>
+          <a:lnRef idx="2">
+            <a:schemeClr val="accent1"/>
+          </a:lnRef>
+          <a:fillRef idx="0">
+            <a:schemeClr val="accent1"/>
+          </a:fillRef>
+          <a:effectRef idx="1">
+            <a:schemeClr val="accent1"/>
+          </a:effectRef>
+          <a:fontRef idx="minor">
+            <a:schemeClr val="tx1"/>
+          </a:fontRef>
+        </p:style>
+      </p:cxnSp>
+      <p:sp>
+        <p:nvSpPr>
+          <p:cNvPr id="69" name="Arc 68">
+            <a:extLst>
+              <a:ext uri="{FF2B5EF4-FFF2-40B4-BE49-F238E27FC236}">
+                <a16:creationId xmlns:a16="http://schemas.microsoft.com/office/drawing/2014/main" id="{1E4E9D8B-6976-BF4C-9790-E403843DC41E}"/>
+              </a:ext>
+            </a:extLst>
+          </p:cNvPr>
+          <p:cNvSpPr/>
+          <p:nvPr/>
+        </p:nvSpPr>
+        <p:spPr>
+          <a:xfrm>
+            <a:off x="6455554" y="5440157"/>
+            <a:ext cx="307914" cy="259790"/>
+          </a:xfrm>
+          <a:prstGeom prst="arc">
+            <a:avLst>
+              <a:gd name="adj1" fmla="val 11084816"/>
+              <a:gd name="adj2" fmla="val 16337449"/>
+            </a:avLst>
+          </a:prstGeom>
+          <a:ln w="28575" cmpd="sng">
+            <a:solidFill>
+              <a:srgbClr val="008000"/>
+            </a:solidFill>
+          </a:ln>
+        </p:spPr>
+        <p:style>
+          <a:lnRef idx="2">
+            <a:schemeClr val="accent1"/>
+          </a:lnRef>
+          <a:fillRef idx="0">
+            <a:schemeClr val="accent1"/>
+          </a:fillRef>
+          <a:effectRef idx="1">
+            <a:schemeClr val="accent1"/>
+          </a:effectRef>
+          <a:fontRef idx="minor">
+            <a:schemeClr val="tx1"/>
+          </a:fontRef>
+        </p:style>
+        <p:txBody>
+          <a:bodyPr rtlCol="0" anchor="ctr"/>
+          <a:lstStyle/>
+          <a:p>
+            <a:pPr algn="ctr"/>
+            <a:endParaRPr lang="en-US" sz="300"/>
+          </a:p>
+        </p:txBody>
+      </p:sp>
+      <p:sp>
+        <p:nvSpPr>
+          <p:cNvPr id="70" name="TextBox 69">
+            <a:extLst>
+              <a:ext uri="{FF2B5EF4-FFF2-40B4-BE49-F238E27FC236}">
+                <a16:creationId xmlns:a16="http://schemas.microsoft.com/office/drawing/2014/main" id="{45BABEA3-4F63-6242-8E4C-0CEE833EF17A}"/>
+              </a:ext>
+            </a:extLst>
+          </p:cNvPr>
+          <p:cNvSpPr txBox="1"/>
+          <p:nvPr/>
+        </p:nvSpPr>
+        <p:spPr>
+          <a:xfrm>
+            <a:off x="5415120" y="5977197"/>
+            <a:ext cx="1406071" cy="461665"/>
+          </a:xfrm>
+          <a:prstGeom prst="rect">
+            <a:avLst/>
+          </a:prstGeom>
+          <a:noFill/>
+        </p:spPr>
+        <p:txBody>
+          <a:bodyPr wrap="square" rtlCol="0">
+            <a:spAutoFit/>
+          </a:bodyPr>
+          <a:lstStyle/>
+          <a:p>
+            <a:r>
+              <a:rPr lang="en-US" sz="2400" dirty="0">
+                <a:latin typeface="Times"/>
+                <a:cs typeface="Times"/>
+              </a:rPr>
+              <a:t>α</a:t>
+            </a:r>
+            <a:r>
+              <a:rPr lang="en-US" sz="2400" i="1" dirty="0">
+                <a:latin typeface="Times"/>
+                <a:cs typeface="Times"/>
+              </a:rPr>
+              <a:t> </a:t>
+            </a:r>
+            <a:r>
+              <a:rPr lang="en-US" sz="2400" dirty="0">
+                <a:latin typeface="Times"/>
+                <a:cs typeface="Times"/>
+              </a:rPr>
+              <a:t> </a:t>
+            </a:r>
+            <a:r>
+              <a:rPr lang="ar-IQ" sz="2400" dirty="0">
+                <a:latin typeface="Times"/>
+                <a:cs typeface="Times"/>
+              </a:rPr>
+              <a:t>‍</a:t>
+            </a:r>
+            <a:r>
+              <a:rPr lang="en-US" sz="2400" dirty="0">
+                <a:latin typeface="Times"/>
+                <a:cs typeface="Times"/>
+              </a:rPr>
+              <a:t>~ 62°</a:t>
+            </a:r>
+          </a:p>
+        </p:txBody>
+      </p:sp>
+      <p:pic>
+        <p:nvPicPr>
+          <p:cNvPr id="71" name="Picture 70" descr="KilobotAngle22.png">
+            <a:extLst>
+              <a:ext uri="{FF2B5EF4-FFF2-40B4-BE49-F238E27FC236}">
+                <a16:creationId xmlns:a16="http://schemas.microsoft.com/office/drawing/2014/main" id="{C6E8DB01-84C1-E643-8E2D-A0BA58934150}"/>
+              </a:ext>
+            </a:extLst>
+          </p:cNvPr>
+          <p:cNvPicPr>
+            <a:picLocks noChangeAspect="1"/>
+          </p:cNvPicPr>
+          <p:nvPr/>
+        </p:nvPicPr>
+        <p:blipFill rotWithShape="1">
+          <a:blip r:embed="rId6" cstate="email">
+            <a:extLst>
+              <a:ext uri="{28A0092B-C50C-407E-A947-70E740481C1C}">
+                <a14:useLocalDpi xmlns:a14="http://schemas.microsoft.com/office/drawing/2010/main"/>
+              </a:ext>
+            </a:extLst>
+          </a:blip>
+          <a:srcRect/>
+          <a:stretch/>
+        </p:blipFill>
+        <p:spPr>
+          <a:xfrm>
+            <a:off x="2810065" y="4466221"/>
+            <a:ext cx="2508400" cy="1950068"/>
+          </a:xfrm>
+          <a:prstGeom prst="rect">
+            <a:avLst/>
+          </a:prstGeom>
+        </p:spPr>
+      </p:pic>
+      <p:cxnSp>
+        <p:nvCxnSpPr>
+          <p:cNvPr id="72" name="Straight Connector 71">
+            <a:extLst>
+              <a:ext uri="{FF2B5EF4-FFF2-40B4-BE49-F238E27FC236}">
+                <a16:creationId xmlns:a16="http://schemas.microsoft.com/office/drawing/2014/main" id="{C8438723-D669-F946-8063-709284C9B320}"/>
+              </a:ext>
+            </a:extLst>
+          </p:cNvPr>
+          <p:cNvCxnSpPr/>
+          <p:nvPr/>
+        </p:nvCxnSpPr>
+        <p:spPr>
+          <a:xfrm flipH="1" flipV="1">
+            <a:off x="3834791" y="5360130"/>
+            <a:ext cx="485609" cy="653588"/>
+          </a:xfrm>
+          <a:prstGeom prst="line">
+            <a:avLst/>
+          </a:prstGeom>
+          <a:ln w="28575" cmpd="sng">
+            <a:solidFill>
+              <a:srgbClr val="008000"/>
+            </a:solidFill>
+          </a:ln>
+        </p:spPr>
+        <p:style>
+          <a:lnRef idx="2">
+            <a:schemeClr val="accent1"/>
+          </a:lnRef>
+          <a:fillRef idx="0">
+            <a:schemeClr val="accent1"/>
+          </a:fillRef>
+          <a:effectRef idx="1">
+            <a:schemeClr val="accent1"/>
+          </a:effectRef>
+          <a:fontRef idx="minor">
+            <a:schemeClr val="tx1"/>
+          </a:fontRef>
+        </p:style>
+      </p:cxnSp>
+      <p:cxnSp>
+        <p:nvCxnSpPr>
+          <p:cNvPr id="73" name="Straight Connector 72">
+            <a:extLst>
+              <a:ext uri="{FF2B5EF4-FFF2-40B4-BE49-F238E27FC236}">
+                <a16:creationId xmlns:a16="http://schemas.microsoft.com/office/drawing/2014/main" id="{4F906351-BDEA-6947-91D8-89C078256C15}"/>
+              </a:ext>
+            </a:extLst>
+          </p:cNvPr>
+          <p:cNvCxnSpPr/>
+          <p:nvPr/>
+        </p:nvCxnSpPr>
+        <p:spPr>
+          <a:xfrm flipV="1">
+            <a:off x="4320399" y="5248086"/>
+            <a:ext cx="0" cy="765632"/>
+          </a:xfrm>
+          <a:prstGeom prst="line">
+            <a:avLst/>
+          </a:prstGeom>
+          <a:ln>
+            <a:solidFill>
+              <a:schemeClr val="tx1"/>
+            </a:solidFill>
+          </a:ln>
+        </p:spPr>
+        <p:style>
+          <a:lnRef idx="2">
+            <a:schemeClr val="accent1"/>
+          </a:lnRef>
+          <a:fillRef idx="0">
+            <a:schemeClr val="accent1"/>
+          </a:fillRef>
+          <a:effectRef idx="1">
+            <a:schemeClr val="accent1"/>
+          </a:effectRef>
+          <a:fontRef idx="minor">
+            <a:schemeClr val="tx1"/>
+          </a:fontRef>
+        </p:style>
+      </p:cxnSp>
+      <p:cxnSp>
+        <p:nvCxnSpPr>
+          <p:cNvPr id="74" name="Straight Connector 73">
+            <a:extLst>
+              <a:ext uri="{FF2B5EF4-FFF2-40B4-BE49-F238E27FC236}">
+                <a16:creationId xmlns:a16="http://schemas.microsoft.com/office/drawing/2014/main" id="{911E5C95-8929-7F4D-8B61-7534CE83CD60}"/>
+              </a:ext>
+            </a:extLst>
+          </p:cNvPr>
+          <p:cNvCxnSpPr/>
+          <p:nvPr/>
+        </p:nvCxnSpPr>
+        <p:spPr>
+          <a:xfrm flipV="1">
+            <a:off x="3834791" y="5070686"/>
+            <a:ext cx="1101959" cy="289445"/>
+          </a:xfrm>
+          <a:prstGeom prst="line">
+            <a:avLst/>
+          </a:prstGeom>
+          <a:ln w="28575" cmpd="sng">
+            <a:solidFill>
+              <a:srgbClr val="008000"/>
+            </a:solidFill>
+          </a:ln>
+        </p:spPr>
+        <p:style>
+          <a:lnRef idx="2">
+            <a:schemeClr val="accent1"/>
+          </a:lnRef>
+          <a:fillRef idx="0">
+            <a:schemeClr val="accent1"/>
+          </a:fillRef>
+          <a:effectRef idx="1">
+            <a:schemeClr val="accent1"/>
+          </a:effectRef>
+          <a:fontRef idx="minor">
+            <a:schemeClr val="tx1"/>
+          </a:fontRef>
+        </p:style>
+      </p:cxnSp>
+      <p:sp>
+        <p:nvSpPr>
+          <p:cNvPr id="75" name="Arc 74">
+            <a:extLst>
+              <a:ext uri="{FF2B5EF4-FFF2-40B4-BE49-F238E27FC236}">
+                <a16:creationId xmlns:a16="http://schemas.microsoft.com/office/drawing/2014/main" id="{0B4D4E96-CFBE-8543-A773-6578AC3C85BE}"/>
+              </a:ext>
+            </a:extLst>
+          </p:cNvPr>
+          <p:cNvSpPr/>
+          <p:nvPr/>
+        </p:nvSpPr>
+        <p:spPr>
+          <a:xfrm>
+            <a:off x="4049580" y="5808304"/>
+            <a:ext cx="438916" cy="326794"/>
+          </a:xfrm>
+          <a:prstGeom prst="arc">
+            <a:avLst>
+              <a:gd name="adj1" fmla="val 14647779"/>
+              <a:gd name="adj2" fmla="val 17183554"/>
+            </a:avLst>
+          </a:prstGeom>
+          <a:ln w="28575" cmpd="sng">
+            <a:solidFill>
+              <a:srgbClr val="008000"/>
+            </a:solidFill>
+          </a:ln>
+        </p:spPr>
+        <p:style>
+          <a:lnRef idx="2">
+            <a:schemeClr val="accent1"/>
+          </a:lnRef>
+          <a:fillRef idx="0">
+            <a:schemeClr val="accent1"/>
+          </a:fillRef>
+          <a:effectRef idx="1">
+            <a:schemeClr val="accent1"/>
+          </a:effectRef>
+          <a:fontRef idx="minor">
+            <a:schemeClr val="tx1"/>
+          </a:fontRef>
+        </p:style>
+        <p:txBody>
+          <a:bodyPr rtlCol="0" anchor="ctr"/>
+          <a:lstStyle/>
+          <a:p>
+            <a:pPr algn="ctr"/>
+            <a:endParaRPr lang="en-US" sz="300"/>
+          </a:p>
+        </p:txBody>
+      </p:sp>
+      <p:sp>
+        <p:nvSpPr>
+          <p:cNvPr id="76" name="TextBox 75">
+            <a:extLst>
+              <a:ext uri="{FF2B5EF4-FFF2-40B4-BE49-F238E27FC236}">
+                <a16:creationId xmlns:a16="http://schemas.microsoft.com/office/drawing/2014/main" id="{36921153-C83A-6B44-8394-AEE28D336E9E}"/>
+              </a:ext>
+            </a:extLst>
+          </p:cNvPr>
+          <p:cNvSpPr txBox="1"/>
+          <p:nvPr/>
+        </p:nvSpPr>
+        <p:spPr>
+          <a:xfrm>
+            <a:off x="2914329" y="5982196"/>
+            <a:ext cx="1406071" cy="461665"/>
+          </a:xfrm>
+          <a:prstGeom prst="rect">
+            <a:avLst/>
+          </a:prstGeom>
+          <a:noFill/>
+        </p:spPr>
+        <p:txBody>
+          <a:bodyPr wrap="square" rtlCol="0">
+            <a:spAutoFit/>
+          </a:bodyPr>
+          <a:lstStyle/>
+          <a:p>
+            <a:r>
+              <a:rPr lang="en-US" sz="2400" dirty="0">
+                <a:latin typeface="Times"/>
+                <a:cs typeface="Times"/>
+              </a:rPr>
+              <a:t>α</a:t>
+            </a:r>
+            <a:r>
+              <a:rPr lang="en-US" sz="2400" i="1" dirty="0">
+                <a:latin typeface="Times"/>
+                <a:cs typeface="Times"/>
+              </a:rPr>
+              <a:t> </a:t>
+            </a:r>
+            <a:r>
+              <a:rPr lang="en-US" sz="2400" dirty="0">
+                <a:latin typeface="Times"/>
+                <a:cs typeface="Times"/>
+              </a:rPr>
+              <a:t> ~ 42°</a:t>
+            </a:r>
+          </a:p>
+        </p:txBody>
+      </p:sp>
+      <p:sp>
+        <p:nvSpPr>
+          <p:cNvPr id="77" name="TextBox 76">
+            <a:extLst>
+              <a:ext uri="{FF2B5EF4-FFF2-40B4-BE49-F238E27FC236}">
+                <a16:creationId xmlns:a16="http://schemas.microsoft.com/office/drawing/2014/main" id="{15058106-A6FA-094A-80A8-17E3DC8ACD63}"/>
+              </a:ext>
+            </a:extLst>
+          </p:cNvPr>
+          <p:cNvSpPr txBox="1"/>
+          <p:nvPr/>
+        </p:nvSpPr>
+        <p:spPr>
+          <a:xfrm>
+            <a:off x="2914329" y="4410866"/>
+            <a:ext cx="1681824" cy="461665"/>
+          </a:xfrm>
+          <a:prstGeom prst="rect">
+            <a:avLst/>
+          </a:prstGeom>
+          <a:noFill/>
+        </p:spPr>
+        <p:txBody>
+          <a:bodyPr wrap="square" rtlCol="0">
+            <a:spAutoFit/>
+          </a:bodyPr>
+          <a:lstStyle/>
+          <a:p>
+            <a:r>
+              <a:rPr lang="en-US" sz="2400" dirty="0">
+                <a:latin typeface="Times"/>
+                <a:cs typeface="Times"/>
+              </a:rPr>
+              <a:t>𝜃 = 22.5°</a:t>
+            </a:r>
+          </a:p>
+        </p:txBody>
+      </p:sp>
+      <p:sp>
+        <p:nvSpPr>
+          <p:cNvPr id="78" name="TextBox 77">
+            <a:extLst>
+              <a:ext uri="{FF2B5EF4-FFF2-40B4-BE49-F238E27FC236}">
+                <a16:creationId xmlns:a16="http://schemas.microsoft.com/office/drawing/2014/main" id="{593EE801-E7A7-C449-87C7-87F239ACE68C}"/>
+              </a:ext>
+            </a:extLst>
+          </p:cNvPr>
+          <p:cNvSpPr txBox="1"/>
+          <p:nvPr/>
+        </p:nvSpPr>
+        <p:spPr>
+          <a:xfrm>
+            <a:off x="87930" y="5588348"/>
+            <a:ext cx="1406071" cy="461665"/>
+          </a:xfrm>
+          <a:prstGeom prst="rect">
+            <a:avLst/>
+          </a:prstGeom>
+          <a:noFill/>
+        </p:spPr>
+        <p:txBody>
+          <a:bodyPr wrap="square" rtlCol="0">
+            <a:spAutoFit/>
+          </a:bodyPr>
+          <a:lstStyle/>
+          <a:p>
+            <a:r>
+              <a:rPr lang="en-US" sz="2400" dirty="0">
+                <a:latin typeface="Times"/>
+                <a:cs typeface="Times"/>
+              </a:rPr>
+              <a:t>𝜃 = 0°</a:t>
+            </a:r>
+          </a:p>
+        </p:txBody>
+      </p:sp>
+      <p:sp>
+        <p:nvSpPr>
+          <p:cNvPr id="79" name="TextBox 78">
+            <a:extLst>
+              <a:ext uri="{FF2B5EF4-FFF2-40B4-BE49-F238E27FC236}">
+                <a16:creationId xmlns:a16="http://schemas.microsoft.com/office/drawing/2014/main" id="{DE6804DE-2DE9-FF49-89BB-EB65FAEC3155}"/>
+              </a:ext>
+            </a:extLst>
+          </p:cNvPr>
+          <p:cNvSpPr txBox="1"/>
+          <p:nvPr/>
+        </p:nvSpPr>
+        <p:spPr>
+          <a:xfrm>
+            <a:off x="5373851" y="4410866"/>
+            <a:ext cx="1681824" cy="461665"/>
+          </a:xfrm>
+          <a:prstGeom prst="rect">
+            <a:avLst/>
+          </a:prstGeom>
+          <a:noFill/>
+        </p:spPr>
+        <p:txBody>
+          <a:bodyPr wrap="square" rtlCol="0">
+            <a:spAutoFit/>
+          </a:bodyPr>
+          <a:lstStyle/>
+          <a:p>
+            <a:r>
+              <a:rPr lang="en-US" sz="2400" dirty="0">
+                <a:latin typeface="Times"/>
+                <a:cs typeface="Times"/>
+              </a:rPr>
+              <a:t>𝜃 = 45°</a:t>
+            </a:r>
           </a:p>
         </p:txBody>
       </p:sp>
@@ -5179,13 +6028,6 @@
   <p:clrMapOvr>
     <a:masterClrMapping/>
   </p:clrMapOvr>
-  <p:timing>
-    <p:tnLst>
-      <p:par>
-        <p:cTn xmlns:p14="http://schemas.microsoft.com/office/powerpoint/2010/main" id="1" dur="indefinite" restart="never" nodeType="tmRoot"/>
-      </p:par>
-    </p:tnLst>
-  </p:timing>
 </p:sld>
 </file>
 

--- a/ICRA19/pictures/pdf/SetUp.pptx
+++ b/ICRA19/pictures/pdf/SetUp.pptx
@@ -302,7 +302,7 @@
           <a:p>
             <a:fld id="{F694978D-A894-E24D-9868-C9A03761E7E6}" type="datetimeFigureOut">
               <a:rPr lang="en-US" smtClean="0"/>
-              <a:t>9/13/18</a:t>
+              <a:t>2/12/19</a:t>
             </a:fld>
             <a:endParaRPr lang="en-US"/>
           </a:p>
@@ -470,7 +470,7 @@
           <a:p>
             <a:fld id="{F694978D-A894-E24D-9868-C9A03761E7E6}" type="datetimeFigureOut">
               <a:rPr lang="en-US" smtClean="0"/>
-              <a:t>9/13/18</a:t>
+              <a:t>2/12/19</a:t>
             </a:fld>
             <a:endParaRPr lang="en-US"/>
           </a:p>
@@ -648,7 +648,7 @@
           <a:p>
             <a:fld id="{F694978D-A894-E24D-9868-C9A03761E7E6}" type="datetimeFigureOut">
               <a:rPr lang="en-US" smtClean="0"/>
-              <a:t>9/13/18</a:t>
+              <a:t>2/12/19</a:t>
             </a:fld>
             <a:endParaRPr lang="en-US"/>
           </a:p>
@@ -816,7 +816,7 @@
           <a:p>
             <a:fld id="{F694978D-A894-E24D-9868-C9A03761E7E6}" type="datetimeFigureOut">
               <a:rPr lang="en-US" smtClean="0"/>
-              <a:t>9/13/18</a:t>
+              <a:t>2/12/19</a:t>
             </a:fld>
             <a:endParaRPr lang="en-US"/>
           </a:p>
@@ -1061,7 +1061,7 @@
           <a:p>
             <a:fld id="{F694978D-A894-E24D-9868-C9A03761E7E6}" type="datetimeFigureOut">
               <a:rPr lang="en-US" smtClean="0"/>
-              <a:t>9/13/18</a:t>
+              <a:t>2/12/19</a:t>
             </a:fld>
             <a:endParaRPr lang="en-US"/>
           </a:p>
@@ -1346,7 +1346,7 @@
           <a:p>
             <a:fld id="{F694978D-A894-E24D-9868-C9A03761E7E6}" type="datetimeFigureOut">
               <a:rPr lang="en-US" smtClean="0"/>
-              <a:t>9/13/18</a:t>
+              <a:t>2/12/19</a:t>
             </a:fld>
             <a:endParaRPr lang="en-US"/>
           </a:p>
@@ -1765,7 +1765,7 @@
           <a:p>
             <a:fld id="{F694978D-A894-E24D-9868-C9A03761E7E6}" type="datetimeFigureOut">
               <a:rPr lang="en-US" smtClean="0"/>
-              <a:t>9/13/18</a:t>
+              <a:t>2/12/19</a:t>
             </a:fld>
             <a:endParaRPr lang="en-US"/>
           </a:p>
@@ -1882,7 +1882,7 @@
           <a:p>
             <a:fld id="{F694978D-A894-E24D-9868-C9A03761E7E6}" type="datetimeFigureOut">
               <a:rPr lang="en-US" smtClean="0"/>
-              <a:t>9/13/18</a:t>
+              <a:t>2/12/19</a:t>
             </a:fld>
             <a:endParaRPr lang="en-US"/>
           </a:p>
@@ -1977,7 +1977,7 @@
           <a:p>
             <a:fld id="{F694978D-A894-E24D-9868-C9A03761E7E6}" type="datetimeFigureOut">
               <a:rPr lang="en-US" smtClean="0"/>
-              <a:t>9/13/18</a:t>
+              <a:t>2/12/19</a:t>
             </a:fld>
             <a:endParaRPr lang="en-US"/>
           </a:p>
@@ -2252,7 +2252,7 @@
           <a:p>
             <a:fld id="{F694978D-A894-E24D-9868-C9A03761E7E6}" type="datetimeFigureOut">
               <a:rPr lang="en-US" smtClean="0"/>
-              <a:t>9/13/18</a:t>
+              <a:t>2/12/19</a:t>
             </a:fld>
             <a:endParaRPr lang="en-US"/>
           </a:p>
@@ -2504,7 +2504,7 @@
           <a:p>
             <a:fld id="{F694978D-A894-E24D-9868-C9A03761E7E6}" type="datetimeFigureOut">
               <a:rPr lang="en-US" smtClean="0"/>
-              <a:t>9/13/18</a:t>
+              <a:t>2/12/19</a:t>
             </a:fld>
             <a:endParaRPr lang="en-US"/>
           </a:p>
@@ -2715,7 +2715,7 @@
           <a:p>
             <a:fld id="{F694978D-A894-E24D-9868-C9A03761E7E6}" type="datetimeFigureOut">
               <a:rPr lang="en-US" smtClean="0"/>
-              <a:t>9/13/18</a:t>
+              <a:t>2/12/19</a:t>
             </a:fld>
             <a:endParaRPr lang="en-US"/>
           </a:p>
@@ -3682,8 +3682,8 @@
         </p:nvSpPr>
         <p:spPr>
           <a:xfrm>
-            <a:off x="4240547" y="165444"/>
-            <a:ext cx="1813111" cy="369332"/>
+            <a:off x="4203339" y="103183"/>
+            <a:ext cx="1772156" cy="369332"/>
           </a:xfrm>
           <a:prstGeom prst="rect">
             <a:avLst/>
@@ -3696,13 +3696,12 @@
           </a:bodyPr>
           <a:lstStyle/>
           <a:p>
-            <a:pPr algn="ctr"/>
             <a:r>
               <a:rPr lang="en-US" dirty="0">
                 <a:latin typeface="Times"/>
                 <a:cs typeface="Times"/>
               </a:rPr>
-              <a:t>30W LED Lights</a:t>
+              <a:t>30W LED Lights  </a:t>
             </a:r>
           </a:p>
         </p:txBody>
@@ -3718,8 +3717,8 @@
         </p:nvCxnSpPr>
         <p:spPr>
           <a:xfrm flipH="1">
-            <a:off x="4977609" y="534776"/>
-            <a:ext cx="169494" cy="1133628"/>
+            <a:off x="4940401" y="472515"/>
+            <a:ext cx="149016" cy="1133628"/>
           </a:xfrm>
           <a:prstGeom prst="straightConnector1">
             <a:avLst/>
@@ -4681,7 +4680,7 @@
           </a:ln>
           <a:extLst>
             <a:ext uri="{909E8E84-426E-40dd-AFC4-6F175D3DCCD1}">
-              <a14:hiddenFill xmlns:a14="http://schemas.microsoft.com/office/drawing/2010/main" xmlns="">
+              <a14:hiddenFill xmlns="" xmlns:a14="http://schemas.microsoft.com/office/drawing/2010/main">
                 <a:solidFill>
                   <a:srgbClr val="FFFFFF"/>
                 </a:solidFill>
@@ -4727,7 +4726,7 @@
           </a:ln>
           <a:extLst>
             <a:ext uri="{909E8E84-426E-40dd-AFC4-6F175D3DCCD1}">
-              <a14:hiddenFill xmlns:a14="http://schemas.microsoft.com/office/drawing/2010/main" xmlns="">
+              <a14:hiddenFill xmlns="" xmlns:a14="http://schemas.microsoft.com/office/drawing/2010/main">
                 <a:solidFill>
                   <a:srgbClr val="FFFFFF"/>
                 </a:solidFill>
@@ -4774,7 +4773,7 @@
           </a:ln>
           <a:extLst>
             <a:ext uri="{909E8E84-426E-40dd-AFC4-6F175D3DCCD1}">
-              <a14:hiddenFill xmlns:a14="http://schemas.microsoft.com/office/drawing/2010/main" xmlns="">
+              <a14:hiddenFill xmlns="" xmlns:a14="http://schemas.microsoft.com/office/drawing/2010/main">
                 <a:noFill/>
               </a14:hiddenFill>
             </a:ext>
@@ -4808,7 +4807,7 @@
           </a:ln>
           <a:extLst>
             <a:ext uri="{909E8E84-426E-40dd-AFC4-6F175D3DCCD1}">
-              <a14:hiddenFill xmlns:a14="http://schemas.microsoft.com/office/drawing/2010/main" xmlns="">
+              <a14:hiddenFill xmlns="" xmlns:a14="http://schemas.microsoft.com/office/drawing/2010/main">
                 <a:noFill/>
               </a14:hiddenFill>
             </a:ext>
@@ -6014,6 +6013,45 @@
                 <a:cs typeface="Times"/>
               </a:rPr>
               <a:t>𝜃 = 45°</a:t>
+            </a:r>
+          </a:p>
+        </p:txBody>
+      </p:sp>
+      <p:sp>
+        <p:nvSpPr>
+          <p:cNvPr id="80" name="TextBox 79">
+            <a:extLst>
+              <a:ext uri="{FF2B5EF4-FFF2-40B4-BE49-F238E27FC236}">
+                <a16:creationId xmlns:a16="http://schemas.microsoft.com/office/drawing/2014/main" id="{5C8728AC-E21F-3E45-9B13-D72EA789AB21}"/>
+              </a:ext>
+            </a:extLst>
+          </p:cNvPr>
+          <p:cNvSpPr txBox="1"/>
+          <p:nvPr/>
+        </p:nvSpPr>
+        <p:spPr>
+          <a:xfrm>
+            <a:off x="5432039" y="431851"/>
+            <a:ext cx="2340361" cy="923330"/>
+          </a:xfrm>
+          <a:prstGeom prst="rect">
+            <a:avLst/>
+          </a:prstGeom>
+          <a:noFill/>
+        </p:spPr>
+        <p:txBody>
+          <a:bodyPr wrap="square" rtlCol="0">
+            <a:spAutoFit/>
+          </a:bodyPr>
+          <a:lstStyle/>
+          <a:p>
+            <a:pPr algn="ctr"/>
+            <a:r>
+              <a:rPr lang="en-US" dirty="0">
+                <a:latin typeface="Times"/>
+                <a:cs typeface="Times"/>
+              </a:rPr>
+              <a:t>corner lights are further away and thus require more watts</a:t>
             </a:r>
           </a:p>
         </p:txBody>
